--- a/Algo contact.pptx
+++ b/Algo contact.pptx
@@ -7,6 +7,10 @@
   <p:sldIdLst>
     <p:sldId id="278" r:id="rId2"/>
     <p:sldId id="279" r:id="rId3"/>
+    <p:sldId id="280" r:id="rId4"/>
+    <p:sldId id="281" r:id="rId5"/>
+    <p:sldId id="282" r:id="rId6"/>
+    <p:sldId id="283" r:id="rId7"/>
   </p:sldIdLst>
   <p:sldSz cx="12192000" cy="6858000"/>
   <p:notesSz cx="6858000" cy="9144000"/>
@@ -3398,12 +3402,615 @@
           </a:p>
         </p:txBody>
       </p:sp>
+      <p:grpSp>
+        <p:nvGrpSpPr>
+          <p:cNvPr id="7" name="Groupe 6">
+            <a:extLst>
+              <a:ext uri="{FF2B5EF4-FFF2-40B4-BE49-F238E27FC236}">
+                <a16:creationId xmlns:a16="http://schemas.microsoft.com/office/drawing/2014/main" id="{67E81936-583F-45AD-82CC-A5C937F4C87C}"/>
+              </a:ext>
+            </a:extLst>
+          </p:cNvPr>
+          <p:cNvGrpSpPr/>
+          <p:nvPr/>
+        </p:nvGrpSpPr>
+        <p:grpSpPr>
+          <a:xfrm>
+            <a:off x="327166" y="0"/>
+            <a:ext cx="11251304" cy="1342417"/>
+            <a:chOff x="327166" y="0"/>
+            <a:chExt cx="11251304" cy="1342417"/>
+          </a:xfrm>
+        </p:grpSpPr>
+        <p:sp>
+          <p:nvSpPr>
+            <p:cNvPr id="4" name="Flèche : chevron 3">
+              <a:extLst>
+                <a:ext uri="{FF2B5EF4-FFF2-40B4-BE49-F238E27FC236}">
+                  <a16:creationId xmlns:a16="http://schemas.microsoft.com/office/drawing/2014/main" id="{60D600DE-6FA0-4280-A81A-6DBE7691E92C}"/>
+                </a:ext>
+              </a:extLst>
+            </p:cNvPr>
+            <p:cNvSpPr/>
+            <p:nvPr/>
+          </p:nvSpPr>
+          <p:spPr>
+            <a:xfrm>
+              <a:off x="1268691" y="332278"/>
+              <a:ext cx="2309567" cy="688157"/>
+            </a:xfrm>
+            <a:prstGeom prst="chevron">
+              <a:avLst/>
+            </a:prstGeom>
+            <a:solidFill>
+              <a:srgbClr val="FED449"/>
+            </a:solidFill>
+            <a:ln>
+              <a:solidFill>
+                <a:schemeClr val="bg1"/>
+              </a:solidFill>
+            </a:ln>
+          </p:spPr>
+          <p:style>
+            <a:lnRef idx="2">
+              <a:schemeClr val="accent1">
+                <a:shade val="50000"/>
+              </a:schemeClr>
+            </a:lnRef>
+            <a:fillRef idx="1">
+              <a:schemeClr val="accent1"/>
+            </a:fillRef>
+            <a:effectRef idx="0">
+              <a:schemeClr val="accent1"/>
+            </a:effectRef>
+            <a:fontRef idx="minor">
+              <a:schemeClr val="lt1"/>
+            </a:fontRef>
+          </p:style>
+          <p:txBody>
+            <a:bodyPr rtlCol="0" anchor="ctr"/>
+            <a:lstStyle/>
+            <a:p>
+              <a:pPr algn="ctr"/>
+              <a:r>
+                <a:rPr lang="fr-FR" sz="1500" b="1" dirty="0">
+                  <a:solidFill>
+                    <a:schemeClr val="bg1"/>
+                  </a:solidFill>
+                  <a:effectLst>
+                    <a:outerShdw blurRad="38100" dist="76200" dir="2700000" algn="tl">
+                      <a:srgbClr val="000000"/>
+                    </a:outerShdw>
+                  </a:effectLst>
+                  <a:latin typeface="Helvetica" panose="020B0604020202030204" pitchFamily="34" charset="0"/>
+                </a:rPr>
+                <a:t>Etude du projet</a:t>
+              </a:r>
+            </a:p>
+          </p:txBody>
+        </p:sp>
+        <p:sp>
+          <p:nvSpPr>
+            <p:cNvPr id="16" name="Flèche : chevron 15">
+              <a:extLst>
+                <a:ext uri="{FF2B5EF4-FFF2-40B4-BE49-F238E27FC236}">
+                  <a16:creationId xmlns:a16="http://schemas.microsoft.com/office/drawing/2014/main" id="{F7655D32-22EC-4542-883E-4033865C1471}"/>
+                </a:ext>
+              </a:extLst>
+            </p:cNvPr>
+            <p:cNvSpPr/>
+            <p:nvPr/>
+          </p:nvSpPr>
+          <p:spPr>
+            <a:xfrm>
+              <a:off x="9268903" y="332277"/>
+              <a:ext cx="2309567" cy="688157"/>
+            </a:xfrm>
+            <a:prstGeom prst="chevron">
+              <a:avLst/>
+            </a:prstGeom>
+            <a:solidFill>
+              <a:srgbClr val="FED449"/>
+            </a:solidFill>
+            <a:ln>
+              <a:solidFill>
+                <a:schemeClr val="bg1"/>
+              </a:solidFill>
+            </a:ln>
+          </p:spPr>
+          <p:style>
+            <a:lnRef idx="2">
+              <a:schemeClr val="accent1">
+                <a:shade val="50000"/>
+              </a:schemeClr>
+            </a:lnRef>
+            <a:fillRef idx="1">
+              <a:schemeClr val="accent1"/>
+            </a:fillRef>
+            <a:effectRef idx="0">
+              <a:schemeClr val="accent1"/>
+            </a:effectRef>
+            <a:fontRef idx="minor">
+              <a:schemeClr val="lt1"/>
+            </a:fontRef>
+          </p:style>
+          <p:txBody>
+            <a:bodyPr rtlCol="0" anchor="ctr"/>
+            <a:lstStyle/>
+            <a:p>
+              <a:pPr algn="ctr"/>
+              <a:r>
+                <a:rPr lang="fr-FR" sz="1600" b="1" dirty="0">
+                  <a:solidFill>
+                    <a:schemeClr val="bg1"/>
+                  </a:solidFill>
+                  <a:effectLst>
+                    <a:outerShdw blurRad="38100" dist="76200" dir="2700000" algn="tl">
+                      <a:srgbClr val="000000"/>
+                    </a:outerShdw>
+                  </a:effectLst>
+                  <a:latin typeface="Helvetica" panose="020B0604020202030204" pitchFamily="34" charset="0"/>
+                </a:rPr>
+                <a:t>Conclusion</a:t>
+              </a:r>
+            </a:p>
+          </p:txBody>
+        </p:sp>
+        <p:sp>
+          <p:nvSpPr>
+            <p:cNvPr id="17" name="Flèche : chevron 16">
+              <a:extLst>
+                <a:ext uri="{FF2B5EF4-FFF2-40B4-BE49-F238E27FC236}">
+                  <a16:creationId xmlns:a16="http://schemas.microsoft.com/office/drawing/2014/main" id="{30C36617-CB5C-40F8-B05D-7053886FD5EF}"/>
+                </a:ext>
+              </a:extLst>
+            </p:cNvPr>
+            <p:cNvSpPr/>
+            <p:nvPr/>
+          </p:nvSpPr>
+          <p:spPr>
+            <a:xfrm>
+              <a:off x="3268744" y="332277"/>
+              <a:ext cx="2309567" cy="688157"/>
+            </a:xfrm>
+            <a:prstGeom prst="chevron">
+              <a:avLst/>
+            </a:prstGeom>
+            <a:solidFill>
+              <a:srgbClr val="FED449"/>
+            </a:solidFill>
+            <a:ln>
+              <a:solidFill>
+                <a:schemeClr val="bg1"/>
+              </a:solidFill>
+            </a:ln>
+          </p:spPr>
+          <p:style>
+            <a:lnRef idx="2">
+              <a:schemeClr val="accent1">
+                <a:shade val="50000"/>
+              </a:schemeClr>
+            </a:lnRef>
+            <a:fillRef idx="1">
+              <a:schemeClr val="accent1"/>
+            </a:fillRef>
+            <a:effectRef idx="0">
+              <a:schemeClr val="accent1"/>
+            </a:effectRef>
+            <a:fontRef idx="minor">
+              <a:schemeClr val="lt1"/>
+            </a:fontRef>
+          </p:style>
+          <p:txBody>
+            <a:bodyPr rtlCol="0" anchor="ctr"/>
+            <a:lstStyle/>
+            <a:p>
+              <a:pPr algn="ctr"/>
+              <a:r>
+                <a:rPr lang="fr-FR" sz="1500" b="1" dirty="0">
+                  <a:solidFill>
+                    <a:schemeClr val="bg1"/>
+                  </a:solidFill>
+                  <a:effectLst>
+                    <a:outerShdw blurRad="38100" dist="76200" dir="2700000" algn="tl">
+                      <a:srgbClr val="000000"/>
+                    </a:outerShdw>
+                  </a:effectLst>
+                  <a:latin typeface="Helvetica" panose="020B0604020202030204" pitchFamily="34" charset="0"/>
+                </a:rPr>
+                <a:t>Organisation</a:t>
+              </a:r>
+            </a:p>
+          </p:txBody>
+        </p:sp>
+        <p:sp>
+          <p:nvSpPr>
+            <p:cNvPr id="18" name="Flèche : chevron 17">
+              <a:extLst>
+                <a:ext uri="{FF2B5EF4-FFF2-40B4-BE49-F238E27FC236}">
+                  <a16:creationId xmlns:a16="http://schemas.microsoft.com/office/drawing/2014/main" id="{A33478E5-51C7-4324-9E5C-0845E032CF0C}"/>
+                </a:ext>
+              </a:extLst>
+            </p:cNvPr>
+            <p:cNvSpPr/>
+            <p:nvPr/>
+          </p:nvSpPr>
+          <p:spPr>
+            <a:xfrm>
+              <a:off x="5268797" y="332704"/>
+              <a:ext cx="2309567" cy="688157"/>
+            </a:xfrm>
+            <a:prstGeom prst="chevron">
+              <a:avLst/>
+            </a:prstGeom>
+            <a:solidFill>
+              <a:srgbClr val="88CE62"/>
+            </a:solidFill>
+            <a:ln>
+              <a:solidFill>
+                <a:schemeClr val="bg1"/>
+              </a:solidFill>
+            </a:ln>
+          </p:spPr>
+          <p:style>
+            <a:lnRef idx="2">
+              <a:schemeClr val="accent1">
+                <a:shade val="50000"/>
+              </a:schemeClr>
+            </a:lnRef>
+            <a:fillRef idx="1">
+              <a:schemeClr val="accent1"/>
+            </a:fillRef>
+            <a:effectRef idx="0">
+              <a:schemeClr val="accent1"/>
+            </a:effectRef>
+            <a:fontRef idx="minor">
+              <a:schemeClr val="lt1"/>
+            </a:fontRef>
+          </p:style>
+          <p:txBody>
+            <a:bodyPr rtlCol="0" anchor="ctr"/>
+            <a:lstStyle/>
+            <a:p>
+              <a:pPr algn="ctr"/>
+              <a:r>
+                <a:rPr lang="fr-FR" sz="1500" b="1" dirty="0">
+                  <a:solidFill>
+                    <a:schemeClr val="bg1"/>
+                  </a:solidFill>
+                  <a:effectLst>
+                    <a:outerShdw blurRad="38100" dist="76200" dir="2700000" algn="tl">
+                      <a:srgbClr val="000000"/>
+                    </a:outerShdw>
+                  </a:effectLst>
+                  <a:latin typeface="Helvetica" panose="020B0604020202030204" pitchFamily="34" charset="0"/>
+                </a:rPr>
+                <a:t>Développement</a:t>
+              </a:r>
+            </a:p>
+          </p:txBody>
+        </p:sp>
+        <p:sp>
+          <p:nvSpPr>
+            <p:cNvPr id="19" name="Flèche : chevron 18">
+              <a:extLst>
+                <a:ext uri="{FF2B5EF4-FFF2-40B4-BE49-F238E27FC236}">
+                  <a16:creationId xmlns:a16="http://schemas.microsoft.com/office/drawing/2014/main" id="{8795E004-010B-4219-8B10-37FA6D3A7781}"/>
+                </a:ext>
+              </a:extLst>
+            </p:cNvPr>
+            <p:cNvSpPr/>
+            <p:nvPr/>
+          </p:nvSpPr>
+          <p:spPr>
+            <a:xfrm>
+              <a:off x="7268850" y="332703"/>
+              <a:ext cx="2309567" cy="688157"/>
+            </a:xfrm>
+            <a:prstGeom prst="chevron">
+              <a:avLst/>
+            </a:prstGeom>
+            <a:solidFill>
+              <a:srgbClr val="FED449"/>
+            </a:solidFill>
+            <a:ln>
+              <a:solidFill>
+                <a:schemeClr val="bg1"/>
+              </a:solidFill>
+            </a:ln>
+          </p:spPr>
+          <p:style>
+            <a:lnRef idx="2">
+              <a:schemeClr val="accent1">
+                <a:shade val="50000"/>
+              </a:schemeClr>
+            </a:lnRef>
+            <a:fillRef idx="1">
+              <a:schemeClr val="accent1"/>
+            </a:fillRef>
+            <a:effectRef idx="0">
+              <a:schemeClr val="accent1"/>
+            </a:effectRef>
+            <a:fontRef idx="minor">
+              <a:schemeClr val="lt1"/>
+            </a:fontRef>
+          </p:style>
+          <p:txBody>
+            <a:bodyPr rtlCol="0" anchor="ctr"/>
+            <a:lstStyle/>
+            <a:p>
+              <a:pPr algn="ctr"/>
+              <a:r>
+                <a:rPr lang="fr-FR" sz="1500" b="1" dirty="0">
+                  <a:solidFill>
+                    <a:schemeClr val="bg1"/>
+                  </a:solidFill>
+                  <a:effectLst>
+                    <a:outerShdw blurRad="38100" dist="76200" dir="2700000" algn="tl">
+                      <a:srgbClr val="000000"/>
+                    </a:outerShdw>
+                  </a:effectLst>
+                  <a:latin typeface="Helvetica" panose="020B0604020202030204" pitchFamily="34" charset="0"/>
+                </a:rPr>
+                <a:t>Démonstration</a:t>
+              </a:r>
+              <a:endParaRPr lang="fr-FR" sz="1500" dirty="0">
+                <a:solidFill>
+                  <a:schemeClr val="tx1"/>
+                </a:solidFill>
+              </a:endParaRPr>
+            </a:p>
+          </p:txBody>
+        </p:sp>
+        <p:pic>
+          <p:nvPicPr>
+            <p:cNvPr id="6" name="Image 5">
+              <a:extLst>
+                <a:ext uri="{FF2B5EF4-FFF2-40B4-BE49-F238E27FC236}">
+                  <a16:creationId xmlns:a16="http://schemas.microsoft.com/office/drawing/2014/main" id="{2D0A881D-5AC2-4766-BD4C-5405D55C11A5}"/>
+                </a:ext>
+              </a:extLst>
+            </p:cNvPr>
+            <p:cNvPicPr>
+              <a:picLocks noChangeAspect="1"/>
+            </p:cNvPicPr>
+            <p:nvPr/>
+          </p:nvPicPr>
+          <p:blipFill>
+            <a:blip r:embed="rId3" cstate="print">
+              <a:extLst>
+                <a:ext uri="{28A0092B-C50C-407E-A947-70E740481C1C}">
+                  <a14:useLocalDpi xmlns:a14="http://schemas.microsoft.com/office/drawing/2010/main" val="0"/>
+                </a:ext>
+              </a:extLst>
+            </a:blip>
+            <a:stretch>
+              <a:fillRect/>
+            </a:stretch>
+          </p:blipFill>
+          <p:spPr>
+            <a:xfrm>
+              <a:off x="327166" y="0"/>
+              <a:ext cx="1566153" cy="1342417"/>
+            </a:xfrm>
+            <a:prstGeom prst="rect">
+              <a:avLst/>
+            </a:prstGeom>
+          </p:spPr>
+        </p:pic>
+      </p:grpSp>
+      <p:sp>
+        <p:nvSpPr>
+          <p:cNvPr id="12" name="ZoneTexte 11">
+            <a:extLst>
+              <a:ext uri="{FF2B5EF4-FFF2-40B4-BE49-F238E27FC236}">
+                <a16:creationId xmlns:a16="http://schemas.microsoft.com/office/drawing/2014/main" id="{B090A43C-7D0E-46E1-9FC8-BDAE21AEEC4B}"/>
+              </a:ext>
+            </a:extLst>
+          </p:cNvPr>
+          <p:cNvSpPr txBox="1"/>
+          <p:nvPr/>
+        </p:nvSpPr>
+        <p:spPr>
+          <a:xfrm>
+            <a:off x="1090367" y="1674695"/>
+            <a:ext cx="10011266" cy="523220"/>
+          </a:xfrm>
+          <a:prstGeom prst="rect">
+            <a:avLst/>
+          </a:prstGeom>
+          <a:noFill/>
+        </p:spPr>
+        <p:txBody>
+          <a:bodyPr wrap="square" rtlCol="0">
+            <a:spAutoFit/>
+          </a:bodyPr>
+          <a:lstStyle/>
+          <a:p>
+            <a:pPr algn="ctr"/>
+            <a:r>
+              <a:rPr lang="fr-FR" sz="2800" b="1" dirty="0">
+                <a:latin typeface="Helvetica" panose="020B0604020202030204" pitchFamily="34" charset="0"/>
+              </a:rPr>
+              <a:t>Algorithme d’envoi de Mail</a:t>
+            </a:r>
+            <a:endParaRPr lang="fr-FR" sz="2400" b="1" dirty="0">
+              <a:latin typeface="Helvetica" panose="020B0604020202030204" pitchFamily="34" charset="0"/>
+            </a:endParaRPr>
+          </a:p>
+        </p:txBody>
+      </p:sp>
       <p:pic>
         <p:nvPicPr>
-          <p:cNvPr id="20" name="Image 19" descr="Une image contenant capture d’écran&#10;&#10;Description générée avec un niveau de confiance très élevé">
-            <a:extLst>
-              <a:ext uri="{FF2B5EF4-FFF2-40B4-BE49-F238E27FC236}">
-                <a16:creationId xmlns:a16="http://schemas.microsoft.com/office/drawing/2014/main" id="{A27A4AD9-6E3B-4B3C-9A3A-5EC92E4568E8}"/>
+          <p:cNvPr id="3" name="Image 2">
+            <a:extLst>
+              <a:ext uri="{FF2B5EF4-FFF2-40B4-BE49-F238E27FC236}">
+                <a16:creationId xmlns:a16="http://schemas.microsoft.com/office/drawing/2014/main" id="{AEF937B5-9997-464D-A67F-A2BFCCEF8D57}"/>
+              </a:ext>
+            </a:extLst>
+          </p:cNvPr>
+          <p:cNvPicPr>
+            <a:picLocks noChangeAspect="1"/>
+          </p:cNvPicPr>
+          <p:nvPr/>
+        </p:nvPicPr>
+        <p:blipFill>
+          <a:blip r:embed="rId4">
+            <a:extLst>
+              <a:ext uri="{28A0092B-C50C-407E-A947-70E740481C1C}">
+                <a14:useLocalDpi xmlns:a14="http://schemas.microsoft.com/office/drawing/2010/main" val="0"/>
+              </a:ext>
+            </a:extLst>
+          </a:blip>
+          <a:stretch>
+            <a:fillRect/>
+          </a:stretch>
+        </p:blipFill>
+        <p:spPr>
+          <a:xfrm>
+            <a:off x="1090367" y="2173311"/>
+            <a:ext cx="10011266" cy="4056039"/>
+          </a:xfrm>
+          <a:prstGeom prst="rect">
+            <a:avLst/>
+          </a:prstGeom>
+        </p:spPr>
+      </p:pic>
+      <p:sp>
+        <p:nvSpPr>
+          <p:cNvPr id="13" name="Rectangle à coins arrondis 12"/>
+          <p:cNvSpPr/>
+          <p:nvPr/>
+        </p:nvSpPr>
+        <p:spPr>
+          <a:xfrm>
+            <a:off x="1090366" y="3672246"/>
+            <a:ext cx="10011265" cy="523220"/>
+          </a:xfrm>
+          <a:prstGeom prst="roundRect">
+            <a:avLst/>
+          </a:prstGeom>
+          <a:noFill/>
+          <a:ln w="28575">
+            <a:solidFill>
+              <a:srgbClr val="88CE62"/>
+            </a:solidFill>
+          </a:ln>
+        </p:spPr>
+        <p:style>
+          <a:lnRef idx="2">
+            <a:schemeClr val="accent1">
+              <a:shade val="50000"/>
+            </a:schemeClr>
+          </a:lnRef>
+          <a:fillRef idx="1">
+            <a:schemeClr val="accent1"/>
+          </a:fillRef>
+          <a:effectRef idx="0">
+            <a:schemeClr val="accent1"/>
+          </a:effectRef>
+          <a:fontRef idx="minor">
+            <a:schemeClr val="lt1"/>
+          </a:fontRef>
+        </p:style>
+        <p:txBody>
+          <a:bodyPr rtlCol="0" anchor="ctr"/>
+          <a:lstStyle/>
+          <a:p>
+            <a:pPr algn="ctr"/>
+            <a:endParaRPr lang="fr-FR" dirty="0"/>
+          </a:p>
+        </p:txBody>
+      </p:sp>
+    </p:spTree>
+    <p:extLst>
+      <p:ext uri="{BB962C8B-B14F-4D97-AF65-F5344CB8AC3E}">
+        <p14:creationId xmlns:p14="http://schemas.microsoft.com/office/powerpoint/2010/main" val="3170887878"/>
+      </p:ext>
+    </p:extLst>
+  </p:cSld>
+  <p:clrMapOvr>
+    <a:masterClrMapping/>
+  </p:clrMapOvr>
+</p:sld>
+</file>
+
+<file path=ppt/slides/slide2.xml><?xml version="1.0" encoding="utf-8"?>
+<p:sld xmlns:a="http://schemas.openxmlformats.org/drawingml/2006/main" xmlns:r="http://schemas.openxmlformats.org/officeDocument/2006/relationships" xmlns:p="http://schemas.openxmlformats.org/presentationml/2006/main">
+  <p:cSld>
+    <p:bg>
+      <p:bgPr>
+        <a:blipFill dpi="0" rotWithShape="1">
+          <a:blip r:embed="rId2">
+            <a:lum/>
+          </a:blip>
+          <a:srcRect/>
+          <a:stretch>
+            <a:fillRect/>
+          </a:stretch>
+        </a:blipFill>
+        <a:effectLst/>
+      </p:bgPr>
+    </p:bg>
+    <p:spTree>
+      <p:nvGrpSpPr>
+        <p:cNvPr id="1" name=""/>
+        <p:cNvGrpSpPr/>
+        <p:nvPr/>
+      </p:nvGrpSpPr>
+      <p:grpSpPr>
+        <a:xfrm>
+          <a:off x="0" y="0"/>
+          <a:ext cx="0" cy="0"/>
+          <a:chOff x="0" y="0"/>
+          <a:chExt cx="0" cy="0"/>
+        </a:xfrm>
+      </p:grpSpPr>
+      <p:sp>
+        <p:nvSpPr>
+          <p:cNvPr id="10" name="ZoneTexte 9">
+            <a:extLst>
+              <a:ext uri="{FF2B5EF4-FFF2-40B4-BE49-F238E27FC236}">
+                <a16:creationId xmlns:a16="http://schemas.microsoft.com/office/drawing/2014/main" id="{CE36D8FB-1CD3-4D19-A954-A2CE97724692}"/>
+              </a:ext>
+            </a:extLst>
+          </p:cNvPr>
+          <p:cNvSpPr txBox="1"/>
+          <p:nvPr/>
+        </p:nvSpPr>
+        <p:spPr>
+          <a:xfrm>
+            <a:off x="359759" y="1155628"/>
+            <a:ext cx="11472482" cy="5369668"/>
+          </a:xfrm>
+          <a:prstGeom prst="rect">
+            <a:avLst/>
+          </a:prstGeom>
+          <a:solidFill>
+            <a:srgbClr val="FED449">
+              <a:alpha val="50000"/>
+            </a:srgbClr>
+          </a:solidFill>
+          <a:effectLst>
+            <a:softEdge rad="152400"/>
+          </a:effectLst>
+        </p:spPr>
+        <p:txBody>
+          <a:bodyPr wrap="square" rtlCol="0">
+            <a:spAutoFit/>
+          </a:bodyPr>
+          <a:lstStyle/>
+          <a:p>
+            <a:endParaRPr lang="fr-FR" dirty="0"/>
+          </a:p>
+        </p:txBody>
+      </p:sp>
+      <p:pic>
+        <p:nvPicPr>
+          <p:cNvPr id="9" name="Image 8" descr="Une image contenant capture d’écran&#10;&#10;Description générée avec un niveau de confiance très élevé">
+            <a:extLst>
+              <a:ext uri="{FF2B5EF4-FFF2-40B4-BE49-F238E27FC236}">
+                <a16:creationId xmlns:a16="http://schemas.microsoft.com/office/drawing/2014/main" id="{D4DF4F1E-C45B-416C-A7B7-DBA54EB5E6F8}"/>
               </a:ext>
             </a:extLst>
           </p:cNvPr>
@@ -3426,8 +4033,8 @@
         </p:blipFill>
         <p:spPr>
           <a:xfrm>
-            <a:off x="1605581" y="2246119"/>
-            <a:ext cx="8415896" cy="3971954"/>
+            <a:off x="1110242" y="2167446"/>
+            <a:ext cx="9991390" cy="4056039"/>
           </a:xfrm>
           <a:prstGeom prst="rect">
             <a:avLst/>
@@ -3864,7 +4471,7 @@
               <a:rPr lang="fr-FR" sz="2800" b="1" dirty="0">
                 <a:latin typeface="Helvetica" panose="020B0604020202030204" pitchFamily="34" charset="0"/>
               </a:rPr>
-              <a:t>Algo contact</a:t>
+              <a:t>Algorithme d’envoi de Mail</a:t>
             </a:r>
             <a:endParaRPr lang="fr-FR" sz="2400" b="1" dirty="0">
               <a:latin typeface="Helvetica" panose="020B0604020202030204" pitchFamily="34" charset="0"/>
@@ -3880,8 +4487,8 @@
         </p:nvSpPr>
         <p:spPr>
           <a:xfrm>
-            <a:off x="1605581" y="3538074"/>
-            <a:ext cx="8292562" cy="2679999"/>
+            <a:off x="1268691" y="2263740"/>
+            <a:ext cx="9339822" cy="1165259"/>
           </a:xfrm>
           <a:prstGeom prst="roundRect">
             <a:avLst/>
@@ -3921,7 +4528,7 @@
     </p:spTree>
     <p:extLst>
       <p:ext uri="{BB962C8B-B14F-4D97-AF65-F5344CB8AC3E}">
-        <p14:creationId xmlns:p14="http://schemas.microsoft.com/office/powerpoint/2010/main" val="3170887878"/>
+        <p14:creationId xmlns:p14="http://schemas.microsoft.com/office/powerpoint/2010/main" val="2027209579"/>
       </p:ext>
     </p:extLst>
   </p:cSld>
@@ -3931,7 +4538,7 @@
 </p:sld>
 </file>
 
-<file path=ppt/slides/slide2.xml><?xml version="1.0" encoding="utf-8"?>
+<file path=ppt/slides/slide3.xml><?xml version="1.0" encoding="utf-8"?>
 <p:sld xmlns:a="http://schemas.openxmlformats.org/drawingml/2006/main" xmlns:r="http://schemas.openxmlformats.org/officeDocument/2006/relationships" xmlns:p="http://schemas.openxmlformats.org/presentationml/2006/main">
   <p:cSld>
     <p:bg>
@@ -3976,7 +4583,7 @@
         </p:nvSpPr>
         <p:spPr>
           <a:xfrm>
-            <a:off x="359759" y="1225685"/>
+            <a:off x="359759" y="1155628"/>
             <a:ext cx="11472482" cy="5369668"/>
           </a:xfrm>
           <a:prstGeom prst="rect">
@@ -4001,12 +4608,615 @@
           </a:p>
         </p:txBody>
       </p:sp>
+      <p:grpSp>
+        <p:nvGrpSpPr>
+          <p:cNvPr id="7" name="Groupe 6">
+            <a:extLst>
+              <a:ext uri="{FF2B5EF4-FFF2-40B4-BE49-F238E27FC236}">
+                <a16:creationId xmlns:a16="http://schemas.microsoft.com/office/drawing/2014/main" id="{67E81936-583F-45AD-82CC-A5C937F4C87C}"/>
+              </a:ext>
+            </a:extLst>
+          </p:cNvPr>
+          <p:cNvGrpSpPr/>
+          <p:nvPr/>
+        </p:nvGrpSpPr>
+        <p:grpSpPr>
+          <a:xfrm>
+            <a:off x="327166" y="0"/>
+            <a:ext cx="11251304" cy="1342417"/>
+            <a:chOff x="327166" y="0"/>
+            <a:chExt cx="11251304" cy="1342417"/>
+          </a:xfrm>
+        </p:grpSpPr>
+        <p:sp>
+          <p:nvSpPr>
+            <p:cNvPr id="4" name="Flèche : chevron 3">
+              <a:extLst>
+                <a:ext uri="{FF2B5EF4-FFF2-40B4-BE49-F238E27FC236}">
+                  <a16:creationId xmlns:a16="http://schemas.microsoft.com/office/drawing/2014/main" id="{60D600DE-6FA0-4280-A81A-6DBE7691E92C}"/>
+                </a:ext>
+              </a:extLst>
+            </p:cNvPr>
+            <p:cNvSpPr/>
+            <p:nvPr/>
+          </p:nvSpPr>
+          <p:spPr>
+            <a:xfrm>
+              <a:off x="1268691" y="332278"/>
+              <a:ext cx="2309567" cy="688157"/>
+            </a:xfrm>
+            <a:prstGeom prst="chevron">
+              <a:avLst/>
+            </a:prstGeom>
+            <a:solidFill>
+              <a:srgbClr val="FED449"/>
+            </a:solidFill>
+            <a:ln>
+              <a:solidFill>
+                <a:schemeClr val="bg1"/>
+              </a:solidFill>
+            </a:ln>
+          </p:spPr>
+          <p:style>
+            <a:lnRef idx="2">
+              <a:schemeClr val="accent1">
+                <a:shade val="50000"/>
+              </a:schemeClr>
+            </a:lnRef>
+            <a:fillRef idx="1">
+              <a:schemeClr val="accent1"/>
+            </a:fillRef>
+            <a:effectRef idx="0">
+              <a:schemeClr val="accent1"/>
+            </a:effectRef>
+            <a:fontRef idx="minor">
+              <a:schemeClr val="lt1"/>
+            </a:fontRef>
+          </p:style>
+          <p:txBody>
+            <a:bodyPr rtlCol="0" anchor="ctr"/>
+            <a:lstStyle/>
+            <a:p>
+              <a:pPr algn="ctr"/>
+              <a:r>
+                <a:rPr lang="fr-FR" sz="1500" b="1" dirty="0">
+                  <a:solidFill>
+                    <a:schemeClr val="bg1"/>
+                  </a:solidFill>
+                  <a:effectLst>
+                    <a:outerShdw blurRad="38100" dist="76200" dir="2700000" algn="tl">
+                      <a:srgbClr val="000000"/>
+                    </a:outerShdw>
+                  </a:effectLst>
+                  <a:latin typeface="Helvetica" panose="020B0604020202030204" pitchFamily="34" charset="0"/>
+                </a:rPr>
+                <a:t>Etude du projet</a:t>
+              </a:r>
+            </a:p>
+          </p:txBody>
+        </p:sp>
+        <p:sp>
+          <p:nvSpPr>
+            <p:cNvPr id="16" name="Flèche : chevron 15">
+              <a:extLst>
+                <a:ext uri="{FF2B5EF4-FFF2-40B4-BE49-F238E27FC236}">
+                  <a16:creationId xmlns:a16="http://schemas.microsoft.com/office/drawing/2014/main" id="{F7655D32-22EC-4542-883E-4033865C1471}"/>
+                </a:ext>
+              </a:extLst>
+            </p:cNvPr>
+            <p:cNvSpPr/>
+            <p:nvPr/>
+          </p:nvSpPr>
+          <p:spPr>
+            <a:xfrm>
+              <a:off x="9268903" y="332277"/>
+              <a:ext cx="2309567" cy="688157"/>
+            </a:xfrm>
+            <a:prstGeom prst="chevron">
+              <a:avLst/>
+            </a:prstGeom>
+            <a:solidFill>
+              <a:srgbClr val="FED449"/>
+            </a:solidFill>
+            <a:ln>
+              <a:solidFill>
+                <a:schemeClr val="bg1"/>
+              </a:solidFill>
+            </a:ln>
+          </p:spPr>
+          <p:style>
+            <a:lnRef idx="2">
+              <a:schemeClr val="accent1">
+                <a:shade val="50000"/>
+              </a:schemeClr>
+            </a:lnRef>
+            <a:fillRef idx="1">
+              <a:schemeClr val="accent1"/>
+            </a:fillRef>
+            <a:effectRef idx="0">
+              <a:schemeClr val="accent1"/>
+            </a:effectRef>
+            <a:fontRef idx="minor">
+              <a:schemeClr val="lt1"/>
+            </a:fontRef>
+          </p:style>
+          <p:txBody>
+            <a:bodyPr rtlCol="0" anchor="ctr"/>
+            <a:lstStyle/>
+            <a:p>
+              <a:pPr algn="ctr"/>
+              <a:r>
+                <a:rPr lang="fr-FR" sz="1600" b="1" dirty="0">
+                  <a:solidFill>
+                    <a:schemeClr val="bg1"/>
+                  </a:solidFill>
+                  <a:effectLst>
+                    <a:outerShdw blurRad="38100" dist="76200" dir="2700000" algn="tl">
+                      <a:srgbClr val="000000"/>
+                    </a:outerShdw>
+                  </a:effectLst>
+                  <a:latin typeface="Helvetica" panose="020B0604020202030204" pitchFamily="34" charset="0"/>
+                </a:rPr>
+                <a:t>Conclusion</a:t>
+              </a:r>
+            </a:p>
+          </p:txBody>
+        </p:sp>
+        <p:sp>
+          <p:nvSpPr>
+            <p:cNvPr id="17" name="Flèche : chevron 16">
+              <a:extLst>
+                <a:ext uri="{FF2B5EF4-FFF2-40B4-BE49-F238E27FC236}">
+                  <a16:creationId xmlns:a16="http://schemas.microsoft.com/office/drawing/2014/main" id="{30C36617-CB5C-40F8-B05D-7053886FD5EF}"/>
+                </a:ext>
+              </a:extLst>
+            </p:cNvPr>
+            <p:cNvSpPr/>
+            <p:nvPr/>
+          </p:nvSpPr>
+          <p:spPr>
+            <a:xfrm>
+              <a:off x="3268744" y="332277"/>
+              <a:ext cx="2309567" cy="688157"/>
+            </a:xfrm>
+            <a:prstGeom prst="chevron">
+              <a:avLst/>
+            </a:prstGeom>
+            <a:solidFill>
+              <a:srgbClr val="FED449"/>
+            </a:solidFill>
+            <a:ln>
+              <a:solidFill>
+                <a:schemeClr val="bg1"/>
+              </a:solidFill>
+            </a:ln>
+          </p:spPr>
+          <p:style>
+            <a:lnRef idx="2">
+              <a:schemeClr val="accent1">
+                <a:shade val="50000"/>
+              </a:schemeClr>
+            </a:lnRef>
+            <a:fillRef idx="1">
+              <a:schemeClr val="accent1"/>
+            </a:fillRef>
+            <a:effectRef idx="0">
+              <a:schemeClr val="accent1"/>
+            </a:effectRef>
+            <a:fontRef idx="minor">
+              <a:schemeClr val="lt1"/>
+            </a:fontRef>
+          </p:style>
+          <p:txBody>
+            <a:bodyPr rtlCol="0" anchor="ctr"/>
+            <a:lstStyle/>
+            <a:p>
+              <a:pPr algn="ctr"/>
+              <a:r>
+                <a:rPr lang="fr-FR" sz="1500" b="1" dirty="0">
+                  <a:solidFill>
+                    <a:schemeClr val="bg1"/>
+                  </a:solidFill>
+                  <a:effectLst>
+                    <a:outerShdw blurRad="38100" dist="76200" dir="2700000" algn="tl">
+                      <a:srgbClr val="000000"/>
+                    </a:outerShdw>
+                  </a:effectLst>
+                  <a:latin typeface="Helvetica" panose="020B0604020202030204" pitchFamily="34" charset="0"/>
+                </a:rPr>
+                <a:t>Organisation</a:t>
+              </a:r>
+            </a:p>
+          </p:txBody>
+        </p:sp>
+        <p:sp>
+          <p:nvSpPr>
+            <p:cNvPr id="18" name="Flèche : chevron 17">
+              <a:extLst>
+                <a:ext uri="{FF2B5EF4-FFF2-40B4-BE49-F238E27FC236}">
+                  <a16:creationId xmlns:a16="http://schemas.microsoft.com/office/drawing/2014/main" id="{A33478E5-51C7-4324-9E5C-0845E032CF0C}"/>
+                </a:ext>
+              </a:extLst>
+            </p:cNvPr>
+            <p:cNvSpPr/>
+            <p:nvPr/>
+          </p:nvSpPr>
+          <p:spPr>
+            <a:xfrm>
+              <a:off x="5268797" y="332704"/>
+              <a:ext cx="2309567" cy="688157"/>
+            </a:xfrm>
+            <a:prstGeom prst="chevron">
+              <a:avLst/>
+            </a:prstGeom>
+            <a:solidFill>
+              <a:srgbClr val="88CE62"/>
+            </a:solidFill>
+            <a:ln>
+              <a:solidFill>
+                <a:schemeClr val="bg1"/>
+              </a:solidFill>
+            </a:ln>
+          </p:spPr>
+          <p:style>
+            <a:lnRef idx="2">
+              <a:schemeClr val="accent1">
+                <a:shade val="50000"/>
+              </a:schemeClr>
+            </a:lnRef>
+            <a:fillRef idx="1">
+              <a:schemeClr val="accent1"/>
+            </a:fillRef>
+            <a:effectRef idx="0">
+              <a:schemeClr val="accent1"/>
+            </a:effectRef>
+            <a:fontRef idx="minor">
+              <a:schemeClr val="lt1"/>
+            </a:fontRef>
+          </p:style>
+          <p:txBody>
+            <a:bodyPr rtlCol="0" anchor="ctr"/>
+            <a:lstStyle/>
+            <a:p>
+              <a:pPr algn="ctr"/>
+              <a:r>
+                <a:rPr lang="fr-FR" sz="1500" b="1" dirty="0">
+                  <a:solidFill>
+                    <a:schemeClr val="bg1"/>
+                  </a:solidFill>
+                  <a:effectLst>
+                    <a:outerShdw blurRad="38100" dist="76200" dir="2700000" algn="tl">
+                      <a:srgbClr val="000000"/>
+                    </a:outerShdw>
+                  </a:effectLst>
+                  <a:latin typeface="Helvetica" panose="020B0604020202030204" pitchFamily="34" charset="0"/>
+                </a:rPr>
+                <a:t>Développement</a:t>
+              </a:r>
+            </a:p>
+          </p:txBody>
+        </p:sp>
+        <p:sp>
+          <p:nvSpPr>
+            <p:cNvPr id="19" name="Flèche : chevron 18">
+              <a:extLst>
+                <a:ext uri="{FF2B5EF4-FFF2-40B4-BE49-F238E27FC236}">
+                  <a16:creationId xmlns:a16="http://schemas.microsoft.com/office/drawing/2014/main" id="{8795E004-010B-4219-8B10-37FA6D3A7781}"/>
+                </a:ext>
+              </a:extLst>
+            </p:cNvPr>
+            <p:cNvSpPr/>
+            <p:nvPr/>
+          </p:nvSpPr>
+          <p:spPr>
+            <a:xfrm>
+              <a:off x="7268850" y="332703"/>
+              <a:ext cx="2309567" cy="688157"/>
+            </a:xfrm>
+            <a:prstGeom prst="chevron">
+              <a:avLst/>
+            </a:prstGeom>
+            <a:solidFill>
+              <a:srgbClr val="FED449"/>
+            </a:solidFill>
+            <a:ln>
+              <a:solidFill>
+                <a:schemeClr val="bg1"/>
+              </a:solidFill>
+            </a:ln>
+          </p:spPr>
+          <p:style>
+            <a:lnRef idx="2">
+              <a:schemeClr val="accent1">
+                <a:shade val="50000"/>
+              </a:schemeClr>
+            </a:lnRef>
+            <a:fillRef idx="1">
+              <a:schemeClr val="accent1"/>
+            </a:fillRef>
+            <a:effectRef idx="0">
+              <a:schemeClr val="accent1"/>
+            </a:effectRef>
+            <a:fontRef idx="minor">
+              <a:schemeClr val="lt1"/>
+            </a:fontRef>
+          </p:style>
+          <p:txBody>
+            <a:bodyPr rtlCol="0" anchor="ctr"/>
+            <a:lstStyle/>
+            <a:p>
+              <a:pPr algn="ctr"/>
+              <a:r>
+                <a:rPr lang="fr-FR" sz="1500" b="1" dirty="0">
+                  <a:solidFill>
+                    <a:schemeClr val="bg1"/>
+                  </a:solidFill>
+                  <a:effectLst>
+                    <a:outerShdw blurRad="38100" dist="76200" dir="2700000" algn="tl">
+                      <a:srgbClr val="000000"/>
+                    </a:outerShdw>
+                  </a:effectLst>
+                  <a:latin typeface="Helvetica" panose="020B0604020202030204" pitchFamily="34" charset="0"/>
+                </a:rPr>
+                <a:t>Démonstration</a:t>
+              </a:r>
+              <a:endParaRPr lang="fr-FR" sz="1500" dirty="0">
+                <a:solidFill>
+                  <a:schemeClr val="tx1"/>
+                </a:solidFill>
+              </a:endParaRPr>
+            </a:p>
+          </p:txBody>
+        </p:sp>
+        <p:pic>
+          <p:nvPicPr>
+            <p:cNvPr id="6" name="Image 5">
+              <a:extLst>
+                <a:ext uri="{FF2B5EF4-FFF2-40B4-BE49-F238E27FC236}">
+                  <a16:creationId xmlns:a16="http://schemas.microsoft.com/office/drawing/2014/main" id="{2D0A881D-5AC2-4766-BD4C-5405D55C11A5}"/>
+                </a:ext>
+              </a:extLst>
+            </p:cNvPr>
+            <p:cNvPicPr>
+              <a:picLocks noChangeAspect="1"/>
+            </p:cNvPicPr>
+            <p:nvPr/>
+          </p:nvPicPr>
+          <p:blipFill>
+            <a:blip r:embed="rId3" cstate="print">
+              <a:extLst>
+                <a:ext uri="{28A0092B-C50C-407E-A947-70E740481C1C}">
+                  <a14:useLocalDpi xmlns:a14="http://schemas.microsoft.com/office/drawing/2010/main" val="0"/>
+                </a:ext>
+              </a:extLst>
+            </a:blip>
+            <a:stretch>
+              <a:fillRect/>
+            </a:stretch>
+          </p:blipFill>
+          <p:spPr>
+            <a:xfrm>
+              <a:off x="327166" y="0"/>
+              <a:ext cx="1566153" cy="1342417"/>
+            </a:xfrm>
+            <a:prstGeom prst="rect">
+              <a:avLst/>
+            </a:prstGeom>
+          </p:spPr>
+        </p:pic>
+      </p:grpSp>
+      <p:sp>
+        <p:nvSpPr>
+          <p:cNvPr id="12" name="ZoneTexte 11">
+            <a:extLst>
+              <a:ext uri="{FF2B5EF4-FFF2-40B4-BE49-F238E27FC236}">
+                <a16:creationId xmlns:a16="http://schemas.microsoft.com/office/drawing/2014/main" id="{B090A43C-7D0E-46E1-9FC8-BDAE21AEEC4B}"/>
+              </a:ext>
+            </a:extLst>
+          </p:cNvPr>
+          <p:cNvSpPr txBox="1"/>
+          <p:nvPr/>
+        </p:nvSpPr>
+        <p:spPr>
+          <a:xfrm>
+            <a:off x="1090367" y="1674695"/>
+            <a:ext cx="10011266" cy="523220"/>
+          </a:xfrm>
+          <a:prstGeom prst="rect">
+            <a:avLst/>
+          </a:prstGeom>
+          <a:noFill/>
+        </p:spPr>
+        <p:txBody>
+          <a:bodyPr wrap="square" rtlCol="0">
+            <a:spAutoFit/>
+          </a:bodyPr>
+          <a:lstStyle/>
+          <a:p>
+            <a:pPr algn="ctr"/>
+            <a:r>
+              <a:rPr lang="fr-FR" sz="2800" b="1" dirty="0">
+                <a:latin typeface="Helvetica" panose="020B0604020202030204" pitchFamily="34" charset="0"/>
+              </a:rPr>
+              <a:t>Algorithme d’envoi de Mail</a:t>
+            </a:r>
+            <a:endParaRPr lang="fr-FR" sz="2400" b="1" dirty="0">
+              <a:latin typeface="Helvetica" panose="020B0604020202030204" pitchFamily="34" charset="0"/>
+            </a:endParaRPr>
+          </a:p>
+        </p:txBody>
+      </p:sp>
       <p:pic>
         <p:nvPicPr>
-          <p:cNvPr id="3" name="Image 2" descr="Une image contenant capture d’écran&#10;&#10;Description générée avec un niveau de confiance très élevé">
-            <a:extLst>
-              <a:ext uri="{FF2B5EF4-FFF2-40B4-BE49-F238E27FC236}">
-                <a16:creationId xmlns:a16="http://schemas.microsoft.com/office/drawing/2014/main" id="{FC4B7012-C649-4C53-8182-7E031D12325B}"/>
+          <p:cNvPr id="3" name="Image 2">
+            <a:extLst>
+              <a:ext uri="{FF2B5EF4-FFF2-40B4-BE49-F238E27FC236}">
+                <a16:creationId xmlns:a16="http://schemas.microsoft.com/office/drawing/2014/main" id="{AEF937B5-9997-464D-A67F-A2BFCCEF8D57}"/>
+              </a:ext>
+            </a:extLst>
+          </p:cNvPr>
+          <p:cNvPicPr>
+            <a:picLocks noChangeAspect="1"/>
+          </p:cNvPicPr>
+          <p:nvPr/>
+        </p:nvPicPr>
+        <p:blipFill>
+          <a:blip r:embed="rId4">
+            <a:extLst>
+              <a:ext uri="{28A0092B-C50C-407E-A947-70E740481C1C}">
+                <a14:useLocalDpi xmlns:a14="http://schemas.microsoft.com/office/drawing/2010/main" val="0"/>
+              </a:ext>
+            </a:extLst>
+          </a:blip>
+          <a:stretch>
+            <a:fillRect/>
+          </a:stretch>
+        </p:blipFill>
+        <p:spPr>
+          <a:xfrm>
+            <a:off x="1090367" y="2173311"/>
+            <a:ext cx="10011266" cy="4056039"/>
+          </a:xfrm>
+          <a:prstGeom prst="rect">
+            <a:avLst/>
+          </a:prstGeom>
+        </p:spPr>
+      </p:pic>
+      <p:sp>
+        <p:nvSpPr>
+          <p:cNvPr id="13" name="Rectangle à coins arrondis 12"/>
+          <p:cNvSpPr/>
+          <p:nvPr/>
+        </p:nvSpPr>
+        <p:spPr>
+          <a:xfrm>
+            <a:off x="1090366" y="4064132"/>
+            <a:ext cx="10011265" cy="728932"/>
+          </a:xfrm>
+          <a:prstGeom prst="roundRect">
+            <a:avLst/>
+          </a:prstGeom>
+          <a:noFill/>
+          <a:ln w="28575">
+            <a:solidFill>
+              <a:srgbClr val="88CE62"/>
+            </a:solidFill>
+          </a:ln>
+        </p:spPr>
+        <p:style>
+          <a:lnRef idx="2">
+            <a:schemeClr val="accent1">
+              <a:shade val="50000"/>
+            </a:schemeClr>
+          </a:lnRef>
+          <a:fillRef idx="1">
+            <a:schemeClr val="accent1"/>
+          </a:fillRef>
+          <a:effectRef idx="0">
+            <a:schemeClr val="accent1"/>
+          </a:effectRef>
+          <a:fontRef idx="minor">
+            <a:schemeClr val="lt1"/>
+          </a:fontRef>
+        </p:style>
+        <p:txBody>
+          <a:bodyPr rtlCol="0" anchor="ctr"/>
+          <a:lstStyle/>
+          <a:p>
+            <a:pPr algn="ctr"/>
+            <a:endParaRPr lang="fr-FR" dirty="0"/>
+          </a:p>
+        </p:txBody>
+      </p:sp>
+    </p:spTree>
+    <p:extLst>
+      <p:ext uri="{BB962C8B-B14F-4D97-AF65-F5344CB8AC3E}">
+        <p14:creationId xmlns:p14="http://schemas.microsoft.com/office/powerpoint/2010/main" val="890579251"/>
+      </p:ext>
+    </p:extLst>
+  </p:cSld>
+  <p:clrMapOvr>
+    <a:masterClrMapping/>
+  </p:clrMapOvr>
+</p:sld>
+</file>
+
+<file path=ppt/slides/slide4.xml><?xml version="1.0" encoding="utf-8"?>
+<p:sld xmlns:a="http://schemas.openxmlformats.org/drawingml/2006/main" xmlns:r="http://schemas.openxmlformats.org/officeDocument/2006/relationships" xmlns:p="http://schemas.openxmlformats.org/presentationml/2006/main">
+  <p:cSld>
+    <p:bg>
+      <p:bgPr>
+        <a:blipFill dpi="0" rotWithShape="1">
+          <a:blip r:embed="rId2">
+            <a:lum/>
+          </a:blip>
+          <a:srcRect/>
+          <a:stretch>
+            <a:fillRect/>
+          </a:stretch>
+        </a:blipFill>
+        <a:effectLst/>
+      </p:bgPr>
+    </p:bg>
+    <p:spTree>
+      <p:nvGrpSpPr>
+        <p:cNvPr id="1" name=""/>
+        <p:cNvGrpSpPr/>
+        <p:nvPr/>
+      </p:nvGrpSpPr>
+      <p:grpSpPr>
+        <a:xfrm>
+          <a:off x="0" y="0"/>
+          <a:ext cx="0" cy="0"/>
+          <a:chOff x="0" y="0"/>
+          <a:chExt cx="0" cy="0"/>
+        </a:xfrm>
+      </p:grpSpPr>
+      <p:sp>
+        <p:nvSpPr>
+          <p:cNvPr id="10" name="ZoneTexte 9">
+            <a:extLst>
+              <a:ext uri="{FF2B5EF4-FFF2-40B4-BE49-F238E27FC236}">
+                <a16:creationId xmlns:a16="http://schemas.microsoft.com/office/drawing/2014/main" id="{CE36D8FB-1CD3-4D19-A954-A2CE97724692}"/>
+              </a:ext>
+            </a:extLst>
+          </p:cNvPr>
+          <p:cNvSpPr txBox="1"/>
+          <p:nvPr/>
+        </p:nvSpPr>
+        <p:spPr>
+          <a:xfrm>
+            <a:off x="359759" y="1155628"/>
+            <a:ext cx="11472482" cy="5369668"/>
+          </a:xfrm>
+          <a:prstGeom prst="rect">
+            <a:avLst/>
+          </a:prstGeom>
+          <a:solidFill>
+            <a:srgbClr val="FED449">
+              <a:alpha val="50000"/>
+            </a:srgbClr>
+          </a:solidFill>
+          <a:effectLst>
+            <a:softEdge rad="152400"/>
+          </a:effectLst>
+        </p:spPr>
+        <p:txBody>
+          <a:bodyPr wrap="square" rtlCol="0">
+            <a:spAutoFit/>
+          </a:bodyPr>
+          <a:lstStyle/>
+          <a:p>
+            <a:endParaRPr lang="fr-FR" dirty="0"/>
+          </a:p>
+        </p:txBody>
+      </p:sp>
+      <p:pic>
+        <p:nvPicPr>
+          <p:cNvPr id="9" name="Image 8" descr="Une image contenant capture d’écran&#10;&#10;Description générée avec un niveau de confiance très élevé">
+            <a:extLst>
+              <a:ext uri="{FF2B5EF4-FFF2-40B4-BE49-F238E27FC236}">
+                <a16:creationId xmlns:a16="http://schemas.microsoft.com/office/drawing/2014/main" id="{D4DF4F1E-C45B-416C-A7B7-DBA54EB5E6F8}"/>
               </a:ext>
             </a:extLst>
           </p:cNvPr>
@@ -4029,8 +5239,8 @@
         </p:blipFill>
         <p:spPr>
           <a:xfrm>
-            <a:off x="2366128" y="2197915"/>
-            <a:ext cx="7579150" cy="3770919"/>
+            <a:off x="1110242" y="2167446"/>
+            <a:ext cx="9991390" cy="4056039"/>
           </a:xfrm>
           <a:prstGeom prst="rect">
             <a:avLst/>
@@ -4477,14 +5687,14 @@
       </p:sp>
       <p:sp>
         <p:nvSpPr>
-          <p:cNvPr id="14" name="Rectangle à coins arrondis 13"/>
+          <p:cNvPr id="13" name="Rectangle à coins arrondis 12"/>
           <p:cNvSpPr/>
           <p:nvPr/>
         </p:nvSpPr>
         <p:spPr>
           <a:xfrm>
-            <a:off x="2450969" y="2286439"/>
-            <a:ext cx="7374903" cy="3586460"/>
+            <a:off x="1268691" y="3399197"/>
+            <a:ext cx="9339822" cy="1102465"/>
           </a:xfrm>
           <a:prstGeom prst="roundRect">
             <a:avLst/>
@@ -4517,14 +5727,1220 @@
           <a:lstStyle/>
           <a:p>
             <a:pPr algn="ctr"/>
-            <a:endParaRPr lang="fr-FR"/>
+            <a:endParaRPr lang="fr-FR" dirty="0"/>
           </a:p>
         </p:txBody>
       </p:sp>
     </p:spTree>
     <p:extLst>
       <p:ext uri="{BB962C8B-B14F-4D97-AF65-F5344CB8AC3E}">
-        <p14:creationId xmlns:p14="http://schemas.microsoft.com/office/powerpoint/2010/main" val="3359762993"/>
+        <p14:creationId xmlns:p14="http://schemas.microsoft.com/office/powerpoint/2010/main" val="636190736"/>
+      </p:ext>
+    </p:extLst>
+  </p:cSld>
+  <p:clrMapOvr>
+    <a:masterClrMapping/>
+  </p:clrMapOvr>
+</p:sld>
+</file>
+
+<file path=ppt/slides/slide5.xml><?xml version="1.0" encoding="utf-8"?>
+<p:sld xmlns:a="http://schemas.openxmlformats.org/drawingml/2006/main" xmlns:r="http://schemas.openxmlformats.org/officeDocument/2006/relationships" xmlns:p="http://schemas.openxmlformats.org/presentationml/2006/main">
+  <p:cSld>
+    <p:bg>
+      <p:bgPr>
+        <a:blipFill dpi="0" rotWithShape="1">
+          <a:blip r:embed="rId2">
+            <a:lum/>
+          </a:blip>
+          <a:srcRect/>
+          <a:stretch>
+            <a:fillRect/>
+          </a:stretch>
+        </a:blipFill>
+        <a:effectLst/>
+      </p:bgPr>
+    </p:bg>
+    <p:spTree>
+      <p:nvGrpSpPr>
+        <p:cNvPr id="1" name=""/>
+        <p:cNvGrpSpPr/>
+        <p:nvPr/>
+      </p:nvGrpSpPr>
+      <p:grpSpPr>
+        <a:xfrm>
+          <a:off x="0" y="0"/>
+          <a:ext cx="0" cy="0"/>
+          <a:chOff x="0" y="0"/>
+          <a:chExt cx="0" cy="0"/>
+        </a:xfrm>
+      </p:grpSpPr>
+      <p:sp>
+        <p:nvSpPr>
+          <p:cNvPr id="10" name="ZoneTexte 9">
+            <a:extLst>
+              <a:ext uri="{FF2B5EF4-FFF2-40B4-BE49-F238E27FC236}">
+                <a16:creationId xmlns:a16="http://schemas.microsoft.com/office/drawing/2014/main" id="{CE36D8FB-1CD3-4D19-A954-A2CE97724692}"/>
+              </a:ext>
+            </a:extLst>
+          </p:cNvPr>
+          <p:cNvSpPr txBox="1"/>
+          <p:nvPr/>
+        </p:nvSpPr>
+        <p:spPr>
+          <a:xfrm>
+            <a:off x="359759" y="1155628"/>
+            <a:ext cx="11472482" cy="5369668"/>
+          </a:xfrm>
+          <a:prstGeom prst="rect">
+            <a:avLst/>
+          </a:prstGeom>
+          <a:solidFill>
+            <a:srgbClr val="FED449">
+              <a:alpha val="50000"/>
+            </a:srgbClr>
+          </a:solidFill>
+          <a:effectLst>
+            <a:softEdge rad="152400"/>
+          </a:effectLst>
+        </p:spPr>
+        <p:txBody>
+          <a:bodyPr wrap="square" rtlCol="0">
+            <a:spAutoFit/>
+          </a:bodyPr>
+          <a:lstStyle/>
+          <a:p>
+            <a:endParaRPr lang="fr-FR" dirty="0"/>
+          </a:p>
+        </p:txBody>
+      </p:sp>
+      <p:grpSp>
+        <p:nvGrpSpPr>
+          <p:cNvPr id="7" name="Groupe 6">
+            <a:extLst>
+              <a:ext uri="{FF2B5EF4-FFF2-40B4-BE49-F238E27FC236}">
+                <a16:creationId xmlns:a16="http://schemas.microsoft.com/office/drawing/2014/main" id="{67E81936-583F-45AD-82CC-A5C937F4C87C}"/>
+              </a:ext>
+            </a:extLst>
+          </p:cNvPr>
+          <p:cNvGrpSpPr/>
+          <p:nvPr/>
+        </p:nvGrpSpPr>
+        <p:grpSpPr>
+          <a:xfrm>
+            <a:off x="327166" y="0"/>
+            <a:ext cx="11251304" cy="1342417"/>
+            <a:chOff x="327166" y="0"/>
+            <a:chExt cx="11251304" cy="1342417"/>
+          </a:xfrm>
+        </p:grpSpPr>
+        <p:sp>
+          <p:nvSpPr>
+            <p:cNvPr id="4" name="Flèche : chevron 3">
+              <a:extLst>
+                <a:ext uri="{FF2B5EF4-FFF2-40B4-BE49-F238E27FC236}">
+                  <a16:creationId xmlns:a16="http://schemas.microsoft.com/office/drawing/2014/main" id="{60D600DE-6FA0-4280-A81A-6DBE7691E92C}"/>
+                </a:ext>
+              </a:extLst>
+            </p:cNvPr>
+            <p:cNvSpPr/>
+            <p:nvPr/>
+          </p:nvSpPr>
+          <p:spPr>
+            <a:xfrm>
+              <a:off x="1268691" y="332278"/>
+              <a:ext cx="2309567" cy="688157"/>
+            </a:xfrm>
+            <a:prstGeom prst="chevron">
+              <a:avLst/>
+            </a:prstGeom>
+            <a:solidFill>
+              <a:srgbClr val="FED449"/>
+            </a:solidFill>
+            <a:ln>
+              <a:solidFill>
+                <a:schemeClr val="bg1"/>
+              </a:solidFill>
+            </a:ln>
+          </p:spPr>
+          <p:style>
+            <a:lnRef idx="2">
+              <a:schemeClr val="accent1">
+                <a:shade val="50000"/>
+              </a:schemeClr>
+            </a:lnRef>
+            <a:fillRef idx="1">
+              <a:schemeClr val="accent1"/>
+            </a:fillRef>
+            <a:effectRef idx="0">
+              <a:schemeClr val="accent1"/>
+            </a:effectRef>
+            <a:fontRef idx="minor">
+              <a:schemeClr val="lt1"/>
+            </a:fontRef>
+          </p:style>
+          <p:txBody>
+            <a:bodyPr rtlCol="0" anchor="ctr"/>
+            <a:lstStyle/>
+            <a:p>
+              <a:pPr algn="ctr"/>
+              <a:r>
+                <a:rPr lang="fr-FR" sz="1500" b="1" dirty="0">
+                  <a:solidFill>
+                    <a:schemeClr val="bg1"/>
+                  </a:solidFill>
+                  <a:effectLst>
+                    <a:outerShdw blurRad="38100" dist="76200" dir="2700000" algn="tl">
+                      <a:srgbClr val="000000"/>
+                    </a:outerShdw>
+                  </a:effectLst>
+                  <a:latin typeface="Helvetica" panose="020B0604020202030204" pitchFamily="34" charset="0"/>
+                </a:rPr>
+                <a:t>Etude du projet</a:t>
+              </a:r>
+            </a:p>
+          </p:txBody>
+        </p:sp>
+        <p:sp>
+          <p:nvSpPr>
+            <p:cNvPr id="16" name="Flèche : chevron 15">
+              <a:extLst>
+                <a:ext uri="{FF2B5EF4-FFF2-40B4-BE49-F238E27FC236}">
+                  <a16:creationId xmlns:a16="http://schemas.microsoft.com/office/drawing/2014/main" id="{F7655D32-22EC-4542-883E-4033865C1471}"/>
+                </a:ext>
+              </a:extLst>
+            </p:cNvPr>
+            <p:cNvSpPr/>
+            <p:nvPr/>
+          </p:nvSpPr>
+          <p:spPr>
+            <a:xfrm>
+              <a:off x="9268903" y="332277"/>
+              <a:ext cx="2309567" cy="688157"/>
+            </a:xfrm>
+            <a:prstGeom prst="chevron">
+              <a:avLst/>
+            </a:prstGeom>
+            <a:solidFill>
+              <a:srgbClr val="FED449"/>
+            </a:solidFill>
+            <a:ln>
+              <a:solidFill>
+                <a:schemeClr val="bg1"/>
+              </a:solidFill>
+            </a:ln>
+          </p:spPr>
+          <p:style>
+            <a:lnRef idx="2">
+              <a:schemeClr val="accent1">
+                <a:shade val="50000"/>
+              </a:schemeClr>
+            </a:lnRef>
+            <a:fillRef idx="1">
+              <a:schemeClr val="accent1"/>
+            </a:fillRef>
+            <a:effectRef idx="0">
+              <a:schemeClr val="accent1"/>
+            </a:effectRef>
+            <a:fontRef idx="minor">
+              <a:schemeClr val="lt1"/>
+            </a:fontRef>
+          </p:style>
+          <p:txBody>
+            <a:bodyPr rtlCol="0" anchor="ctr"/>
+            <a:lstStyle/>
+            <a:p>
+              <a:pPr algn="ctr"/>
+              <a:r>
+                <a:rPr lang="fr-FR" sz="1600" b="1" dirty="0">
+                  <a:solidFill>
+                    <a:schemeClr val="bg1"/>
+                  </a:solidFill>
+                  <a:effectLst>
+                    <a:outerShdw blurRad="38100" dist="76200" dir="2700000" algn="tl">
+                      <a:srgbClr val="000000"/>
+                    </a:outerShdw>
+                  </a:effectLst>
+                  <a:latin typeface="Helvetica" panose="020B0604020202030204" pitchFamily="34" charset="0"/>
+                </a:rPr>
+                <a:t>Conclusion</a:t>
+              </a:r>
+            </a:p>
+          </p:txBody>
+        </p:sp>
+        <p:sp>
+          <p:nvSpPr>
+            <p:cNvPr id="17" name="Flèche : chevron 16">
+              <a:extLst>
+                <a:ext uri="{FF2B5EF4-FFF2-40B4-BE49-F238E27FC236}">
+                  <a16:creationId xmlns:a16="http://schemas.microsoft.com/office/drawing/2014/main" id="{30C36617-CB5C-40F8-B05D-7053886FD5EF}"/>
+                </a:ext>
+              </a:extLst>
+            </p:cNvPr>
+            <p:cNvSpPr/>
+            <p:nvPr/>
+          </p:nvSpPr>
+          <p:spPr>
+            <a:xfrm>
+              <a:off x="3268744" y="332277"/>
+              <a:ext cx="2309567" cy="688157"/>
+            </a:xfrm>
+            <a:prstGeom prst="chevron">
+              <a:avLst/>
+            </a:prstGeom>
+            <a:solidFill>
+              <a:srgbClr val="FED449"/>
+            </a:solidFill>
+            <a:ln>
+              <a:solidFill>
+                <a:schemeClr val="bg1"/>
+              </a:solidFill>
+            </a:ln>
+          </p:spPr>
+          <p:style>
+            <a:lnRef idx="2">
+              <a:schemeClr val="accent1">
+                <a:shade val="50000"/>
+              </a:schemeClr>
+            </a:lnRef>
+            <a:fillRef idx="1">
+              <a:schemeClr val="accent1"/>
+            </a:fillRef>
+            <a:effectRef idx="0">
+              <a:schemeClr val="accent1"/>
+            </a:effectRef>
+            <a:fontRef idx="minor">
+              <a:schemeClr val="lt1"/>
+            </a:fontRef>
+          </p:style>
+          <p:txBody>
+            <a:bodyPr rtlCol="0" anchor="ctr"/>
+            <a:lstStyle/>
+            <a:p>
+              <a:pPr algn="ctr"/>
+              <a:r>
+                <a:rPr lang="fr-FR" sz="1500" b="1" dirty="0">
+                  <a:solidFill>
+                    <a:schemeClr val="bg1"/>
+                  </a:solidFill>
+                  <a:effectLst>
+                    <a:outerShdw blurRad="38100" dist="76200" dir="2700000" algn="tl">
+                      <a:srgbClr val="000000"/>
+                    </a:outerShdw>
+                  </a:effectLst>
+                  <a:latin typeface="Helvetica" panose="020B0604020202030204" pitchFamily="34" charset="0"/>
+                </a:rPr>
+                <a:t>Organisation</a:t>
+              </a:r>
+            </a:p>
+          </p:txBody>
+        </p:sp>
+        <p:sp>
+          <p:nvSpPr>
+            <p:cNvPr id="18" name="Flèche : chevron 17">
+              <a:extLst>
+                <a:ext uri="{FF2B5EF4-FFF2-40B4-BE49-F238E27FC236}">
+                  <a16:creationId xmlns:a16="http://schemas.microsoft.com/office/drawing/2014/main" id="{A33478E5-51C7-4324-9E5C-0845E032CF0C}"/>
+                </a:ext>
+              </a:extLst>
+            </p:cNvPr>
+            <p:cNvSpPr/>
+            <p:nvPr/>
+          </p:nvSpPr>
+          <p:spPr>
+            <a:xfrm>
+              <a:off x="5268797" y="332704"/>
+              <a:ext cx="2309567" cy="688157"/>
+            </a:xfrm>
+            <a:prstGeom prst="chevron">
+              <a:avLst/>
+            </a:prstGeom>
+            <a:solidFill>
+              <a:srgbClr val="88CE62"/>
+            </a:solidFill>
+            <a:ln>
+              <a:solidFill>
+                <a:schemeClr val="bg1"/>
+              </a:solidFill>
+            </a:ln>
+          </p:spPr>
+          <p:style>
+            <a:lnRef idx="2">
+              <a:schemeClr val="accent1">
+                <a:shade val="50000"/>
+              </a:schemeClr>
+            </a:lnRef>
+            <a:fillRef idx="1">
+              <a:schemeClr val="accent1"/>
+            </a:fillRef>
+            <a:effectRef idx="0">
+              <a:schemeClr val="accent1"/>
+            </a:effectRef>
+            <a:fontRef idx="minor">
+              <a:schemeClr val="lt1"/>
+            </a:fontRef>
+          </p:style>
+          <p:txBody>
+            <a:bodyPr rtlCol="0" anchor="ctr"/>
+            <a:lstStyle/>
+            <a:p>
+              <a:pPr algn="ctr"/>
+              <a:r>
+                <a:rPr lang="fr-FR" sz="1500" b="1" dirty="0">
+                  <a:solidFill>
+                    <a:schemeClr val="bg1"/>
+                  </a:solidFill>
+                  <a:effectLst>
+                    <a:outerShdw blurRad="38100" dist="76200" dir="2700000" algn="tl">
+                      <a:srgbClr val="000000"/>
+                    </a:outerShdw>
+                  </a:effectLst>
+                  <a:latin typeface="Helvetica" panose="020B0604020202030204" pitchFamily="34" charset="0"/>
+                </a:rPr>
+                <a:t>Développement</a:t>
+              </a:r>
+            </a:p>
+          </p:txBody>
+        </p:sp>
+        <p:sp>
+          <p:nvSpPr>
+            <p:cNvPr id="19" name="Flèche : chevron 18">
+              <a:extLst>
+                <a:ext uri="{FF2B5EF4-FFF2-40B4-BE49-F238E27FC236}">
+                  <a16:creationId xmlns:a16="http://schemas.microsoft.com/office/drawing/2014/main" id="{8795E004-010B-4219-8B10-37FA6D3A7781}"/>
+                </a:ext>
+              </a:extLst>
+            </p:cNvPr>
+            <p:cNvSpPr/>
+            <p:nvPr/>
+          </p:nvSpPr>
+          <p:spPr>
+            <a:xfrm>
+              <a:off x="7268850" y="332703"/>
+              <a:ext cx="2309567" cy="688157"/>
+            </a:xfrm>
+            <a:prstGeom prst="chevron">
+              <a:avLst/>
+            </a:prstGeom>
+            <a:solidFill>
+              <a:srgbClr val="FED449"/>
+            </a:solidFill>
+            <a:ln>
+              <a:solidFill>
+                <a:schemeClr val="bg1"/>
+              </a:solidFill>
+            </a:ln>
+          </p:spPr>
+          <p:style>
+            <a:lnRef idx="2">
+              <a:schemeClr val="accent1">
+                <a:shade val="50000"/>
+              </a:schemeClr>
+            </a:lnRef>
+            <a:fillRef idx="1">
+              <a:schemeClr val="accent1"/>
+            </a:fillRef>
+            <a:effectRef idx="0">
+              <a:schemeClr val="accent1"/>
+            </a:effectRef>
+            <a:fontRef idx="minor">
+              <a:schemeClr val="lt1"/>
+            </a:fontRef>
+          </p:style>
+          <p:txBody>
+            <a:bodyPr rtlCol="0" anchor="ctr"/>
+            <a:lstStyle/>
+            <a:p>
+              <a:pPr algn="ctr"/>
+              <a:r>
+                <a:rPr lang="fr-FR" sz="1500" b="1" dirty="0">
+                  <a:solidFill>
+                    <a:schemeClr val="bg1"/>
+                  </a:solidFill>
+                  <a:effectLst>
+                    <a:outerShdw blurRad="38100" dist="76200" dir="2700000" algn="tl">
+                      <a:srgbClr val="000000"/>
+                    </a:outerShdw>
+                  </a:effectLst>
+                  <a:latin typeface="Helvetica" panose="020B0604020202030204" pitchFamily="34" charset="0"/>
+                </a:rPr>
+                <a:t>Démonstration</a:t>
+              </a:r>
+              <a:endParaRPr lang="fr-FR" sz="1500" dirty="0">
+                <a:solidFill>
+                  <a:schemeClr val="tx1"/>
+                </a:solidFill>
+              </a:endParaRPr>
+            </a:p>
+          </p:txBody>
+        </p:sp>
+        <p:pic>
+          <p:nvPicPr>
+            <p:cNvPr id="6" name="Image 5">
+              <a:extLst>
+                <a:ext uri="{FF2B5EF4-FFF2-40B4-BE49-F238E27FC236}">
+                  <a16:creationId xmlns:a16="http://schemas.microsoft.com/office/drawing/2014/main" id="{2D0A881D-5AC2-4766-BD4C-5405D55C11A5}"/>
+                </a:ext>
+              </a:extLst>
+            </p:cNvPr>
+            <p:cNvPicPr>
+              <a:picLocks noChangeAspect="1"/>
+            </p:cNvPicPr>
+            <p:nvPr/>
+          </p:nvPicPr>
+          <p:blipFill>
+            <a:blip r:embed="rId3" cstate="print">
+              <a:extLst>
+                <a:ext uri="{28A0092B-C50C-407E-A947-70E740481C1C}">
+                  <a14:useLocalDpi xmlns:a14="http://schemas.microsoft.com/office/drawing/2010/main" val="0"/>
+                </a:ext>
+              </a:extLst>
+            </a:blip>
+            <a:stretch>
+              <a:fillRect/>
+            </a:stretch>
+          </p:blipFill>
+          <p:spPr>
+            <a:xfrm>
+              <a:off x="327166" y="0"/>
+              <a:ext cx="1566153" cy="1342417"/>
+            </a:xfrm>
+            <a:prstGeom prst="rect">
+              <a:avLst/>
+            </a:prstGeom>
+          </p:spPr>
+        </p:pic>
+      </p:grpSp>
+      <p:sp>
+        <p:nvSpPr>
+          <p:cNvPr id="12" name="ZoneTexte 11">
+            <a:extLst>
+              <a:ext uri="{FF2B5EF4-FFF2-40B4-BE49-F238E27FC236}">
+                <a16:creationId xmlns:a16="http://schemas.microsoft.com/office/drawing/2014/main" id="{B090A43C-7D0E-46E1-9FC8-BDAE21AEEC4B}"/>
+              </a:ext>
+            </a:extLst>
+          </p:cNvPr>
+          <p:cNvSpPr txBox="1"/>
+          <p:nvPr/>
+        </p:nvSpPr>
+        <p:spPr>
+          <a:xfrm>
+            <a:off x="1090367" y="1674695"/>
+            <a:ext cx="10011266" cy="523220"/>
+          </a:xfrm>
+          <a:prstGeom prst="rect">
+            <a:avLst/>
+          </a:prstGeom>
+          <a:noFill/>
+        </p:spPr>
+        <p:txBody>
+          <a:bodyPr wrap="square" rtlCol="0">
+            <a:spAutoFit/>
+          </a:bodyPr>
+          <a:lstStyle/>
+          <a:p>
+            <a:pPr algn="ctr"/>
+            <a:r>
+              <a:rPr lang="fr-FR" sz="2800" b="1" dirty="0">
+                <a:latin typeface="Helvetica" panose="020B0604020202030204" pitchFamily="34" charset="0"/>
+              </a:rPr>
+              <a:t>Algorithme d’envoi de Mail</a:t>
+            </a:r>
+            <a:endParaRPr lang="fr-FR" sz="2400" b="1" dirty="0">
+              <a:latin typeface="Helvetica" panose="020B0604020202030204" pitchFamily="34" charset="0"/>
+            </a:endParaRPr>
+          </a:p>
+        </p:txBody>
+      </p:sp>
+      <p:pic>
+        <p:nvPicPr>
+          <p:cNvPr id="3" name="Image 2">
+            <a:extLst>
+              <a:ext uri="{FF2B5EF4-FFF2-40B4-BE49-F238E27FC236}">
+                <a16:creationId xmlns:a16="http://schemas.microsoft.com/office/drawing/2014/main" id="{AEF937B5-9997-464D-A67F-A2BFCCEF8D57}"/>
+              </a:ext>
+            </a:extLst>
+          </p:cNvPr>
+          <p:cNvPicPr>
+            <a:picLocks noChangeAspect="1"/>
+          </p:cNvPicPr>
+          <p:nvPr/>
+        </p:nvPicPr>
+        <p:blipFill>
+          <a:blip r:embed="rId4">
+            <a:extLst>
+              <a:ext uri="{28A0092B-C50C-407E-A947-70E740481C1C}">
+                <a14:useLocalDpi xmlns:a14="http://schemas.microsoft.com/office/drawing/2010/main" val="0"/>
+              </a:ext>
+            </a:extLst>
+          </a:blip>
+          <a:stretch>
+            <a:fillRect/>
+          </a:stretch>
+        </p:blipFill>
+        <p:spPr>
+          <a:xfrm>
+            <a:off x="1090367" y="2173311"/>
+            <a:ext cx="10011266" cy="4056039"/>
+          </a:xfrm>
+          <a:prstGeom prst="rect">
+            <a:avLst/>
+          </a:prstGeom>
+        </p:spPr>
+      </p:pic>
+      <p:sp>
+        <p:nvSpPr>
+          <p:cNvPr id="13" name="Rectangle à coins arrondis 12"/>
+          <p:cNvSpPr/>
+          <p:nvPr/>
+        </p:nvSpPr>
+        <p:spPr>
+          <a:xfrm>
+            <a:off x="1090366" y="4727323"/>
+            <a:ext cx="10011265" cy="1080624"/>
+          </a:xfrm>
+          <a:prstGeom prst="roundRect">
+            <a:avLst/>
+          </a:prstGeom>
+          <a:noFill/>
+          <a:ln w="28575">
+            <a:solidFill>
+              <a:srgbClr val="88CE62"/>
+            </a:solidFill>
+          </a:ln>
+        </p:spPr>
+        <p:style>
+          <a:lnRef idx="2">
+            <a:schemeClr val="accent1">
+              <a:shade val="50000"/>
+            </a:schemeClr>
+          </a:lnRef>
+          <a:fillRef idx="1">
+            <a:schemeClr val="accent1"/>
+          </a:fillRef>
+          <a:effectRef idx="0">
+            <a:schemeClr val="accent1"/>
+          </a:effectRef>
+          <a:fontRef idx="minor">
+            <a:schemeClr val="lt1"/>
+          </a:fontRef>
+        </p:style>
+        <p:txBody>
+          <a:bodyPr rtlCol="0" anchor="ctr"/>
+          <a:lstStyle/>
+          <a:p>
+            <a:pPr algn="ctr"/>
+            <a:endParaRPr lang="fr-FR" dirty="0"/>
+          </a:p>
+        </p:txBody>
+      </p:sp>
+    </p:spTree>
+    <p:extLst>
+      <p:ext uri="{BB962C8B-B14F-4D97-AF65-F5344CB8AC3E}">
+        <p14:creationId xmlns:p14="http://schemas.microsoft.com/office/powerpoint/2010/main" val="15585132"/>
+      </p:ext>
+    </p:extLst>
+  </p:cSld>
+  <p:clrMapOvr>
+    <a:masterClrMapping/>
+  </p:clrMapOvr>
+</p:sld>
+</file>
+
+<file path=ppt/slides/slide6.xml><?xml version="1.0" encoding="utf-8"?>
+<p:sld xmlns:a="http://schemas.openxmlformats.org/drawingml/2006/main" xmlns:r="http://schemas.openxmlformats.org/officeDocument/2006/relationships" xmlns:p="http://schemas.openxmlformats.org/presentationml/2006/main">
+  <p:cSld>
+    <p:bg>
+      <p:bgPr>
+        <a:blipFill dpi="0" rotWithShape="1">
+          <a:blip r:embed="rId2">
+            <a:lum/>
+          </a:blip>
+          <a:srcRect/>
+          <a:stretch>
+            <a:fillRect/>
+          </a:stretch>
+        </a:blipFill>
+        <a:effectLst/>
+      </p:bgPr>
+    </p:bg>
+    <p:spTree>
+      <p:nvGrpSpPr>
+        <p:cNvPr id="1" name=""/>
+        <p:cNvGrpSpPr/>
+        <p:nvPr/>
+      </p:nvGrpSpPr>
+      <p:grpSpPr>
+        <a:xfrm>
+          <a:off x="0" y="0"/>
+          <a:ext cx="0" cy="0"/>
+          <a:chOff x="0" y="0"/>
+          <a:chExt cx="0" cy="0"/>
+        </a:xfrm>
+      </p:grpSpPr>
+      <p:sp>
+        <p:nvSpPr>
+          <p:cNvPr id="10" name="ZoneTexte 9">
+            <a:extLst>
+              <a:ext uri="{FF2B5EF4-FFF2-40B4-BE49-F238E27FC236}">
+                <a16:creationId xmlns:a16="http://schemas.microsoft.com/office/drawing/2014/main" id="{CE36D8FB-1CD3-4D19-A954-A2CE97724692}"/>
+              </a:ext>
+            </a:extLst>
+          </p:cNvPr>
+          <p:cNvSpPr txBox="1"/>
+          <p:nvPr/>
+        </p:nvSpPr>
+        <p:spPr>
+          <a:xfrm>
+            <a:off x="359759" y="1155628"/>
+            <a:ext cx="11472482" cy="5369668"/>
+          </a:xfrm>
+          <a:prstGeom prst="rect">
+            <a:avLst/>
+          </a:prstGeom>
+          <a:solidFill>
+            <a:srgbClr val="FED449">
+              <a:alpha val="50000"/>
+            </a:srgbClr>
+          </a:solidFill>
+          <a:effectLst>
+            <a:softEdge rad="152400"/>
+          </a:effectLst>
+        </p:spPr>
+        <p:txBody>
+          <a:bodyPr wrap="square" rtlCol="0">
+            <a:spAutoFit/>
+          </a:bodyPr>
+          <a:lstStyle/>
+          <a:p>
+            <a:endParaRPr lang="fr-FR" dirty="0"/>
+          </a:p>
+        </p:txBody>
+      </p:sp>
+      <p:pic>
+        <p:nvPicPr>
+          <p:cNvPr id="9" name="Image 8" descr="Une image contenant capture d’écran&#10;&#10;Description générée avec un niveau de confiance très élevé">
+            <a:extLst>
+              <a:ext uri="{FF2B5EF4-FFF2-40B4-BE49-F238E27FC236}">
+                <a16:creationId xmlns:a16="http://schemas.microsoft.com/office/drawing/2014/main" id="{D4DF4F1E-C45B-416C-A7B7-DBA54EB5E6F8}"/>
+              </a:ext>
+            </a:extLst>
+          </p:cNvPr>
+          <p:cNvPicPr>
+            <a:picLocks noChangeAspect="1"/>
+          </p:cNvPicPr>
+          <p:nvPr/>
+        </p:nvPicPr>
+        <p:blipFill>
+          <a:blip r:embed="rId3">
+            <a:extLst>
+              <a:ext uri="{28A0092B-C50C-407E-A947-70E740481C1C}">
+                <a14:useLocalDpi xmlns:a14="http://schemas.microsoft.com/office/drawing/2010/main" val="0"/>
+              </a:ext>
+            </a:extLst>
+          </a:blip>
+          <a:stretch>
+            <a:fillRect/>
+          </a:stretch>
+        </p:blipFill>
+        <p:spPr>
+          <a:xfrm>
+            <a:off x="1110242" y="2167446"/>
+            <a:ext cx="9991390" cy="4056039"/>
+          </a:xfrm>
+          <a:prstGeom prst="rect">
+            <a:avLst/>
+          </a:prstGeom>
+        </p:spPr>
+      </p:pic>
+      <p:grpSp>
+        <p:nvGrpSpPr>
+          <p:cNvPr id="7" name="Groupe 6">
+            <a:extLst>
+              <a:ext uri="{FF2B5EF4-FFF2-40B4-BE49-F238E27FC236}">
+                <a16:creationId xmlns:a16="http://schemas.microsoft.com/office/drawing/2014/main" id="{67E81936-583F-45AD-82CC-A5C937F4C87C}"/>
+              </a:ext>
+            </a:extLst>
+          </p:cNvPr>
+          <p:cNvGrpSpPr/>
+          <p:nvPr/>
+        </p:nvGrpSpPr>
+        <p:grpSpPr>
+          <a:xfrm>
+            <a:off x="327166" y="0"/>
+            <a:ext cx="11251304" cy="1342417"/>
+            <a:chOff x="327166" y="0"/>
+            <a:chExt cx="11251304" cy="1342417"/>
+          </a:xfrm>
+        </p:grpSpPr>
+        <p:sp>
+          <p:nvSpPr>
+            <p:cNvPr id="4" name="Flèche : chevron 3">
+              <a:extLst>
+                <a:ext uri="{FF2B5EF4-FFF2-40B4-BE49-F238E27FC236}">
+                  <a16:creationId xmlns:a16="http://schemas.microsoft.com/office/drawing/2014/main" id="{60D600DE-6FA0-4280-A81A-6DBE7691E92C}"/>
+                </a:ext>
+              </a:extLst>
+            </p:cNvPr>
+            <p:cNvSpPr/>
+            <p:nvPr/>
+          </p:nvSpPr>
+          <p:spPr>
+            <a:xfrm>
+              <a:off x="1268691" y="332278"/>
+              <a:ext cx="2309567" cy="688157"/>
+            </a:xfrm>
+            <a:prstGeom prst="chevron">
+              <a:avLst/>
+            </a:prstGeom>
+            <a:solidFill>
+              <a:srgbClr val="FED449"/>
+            </a:solidFill>
+            <a:ln>
+              <a:solidFill>
+                <a:schemeClr val="bg1"/>
+              </a:solidFill>
+            </a:ln>
+          </p:spPr>
+          <p:style>
+            <a:lnRef idx="2">
+              <a:schemeClr val="accent1">
+                <a:shade val="50000"/>
+              </a:schemeClr>
+            </a:lnRef>
+            <a:fillRef idx="1">
+              <a:schemeClr val="accent1"/>
+            </a:fillRef>
+            <a:effectRef idx="0">
+              <a:schemeClr val="accent1"/>
+            </a:effectRef>
+            <a:fontRef idx="minor">
+              <a:schemeClr val="lt1"/>
+            </a:fontRef>
+          </p:style>
+          <p:txBody>
+            <a:bodyPr rtlCol="0" anchor="ctr"/>
+            <a:lstStyle/>
+            <a:p>
+              <a:pPr algn="ctr"/>
+              <a:r>
+                <a:rPr lang="fr-FR" sz="1500" b="1" dirty="0">
+                  <a:solidFill>
+                    <a:schemeClr val="bg1"/>
+                  </a:solidFill>
+                  <a:effectLst>
+                    <a:outerShdw blurRad="38100" dist="76200" dir="2700000" algn="tl">
+                      <a:srgbClr val="000000"/>
+                    </a:outerShdw>
+                  </a:effectLst>
+                  <a:latin typeface="Helvetica" panose="020B0604020202030204" pitchFamily="34" charset="0"/>
+                </a:rPr>
+                <a:t>Etude du projet</a:t>
+              </a:r>
+            </a:p>
+          </p:txBody>
+        </p:sp>
+        <p:sp>
+          <p:nvSpPr>
+            <p:cNvPr id="16" name="Flèche : chevron 15">
+              <a:extLst>
+                <a:ext uri="{FF2B5EF4-FFF2-40B4-BE49-F238E27FC236}">
+                  <a16:creationId xmlns:a16="http://schemas.microsoft.com/office/drawing/2014/main" id="{F7655D32-22EC-4542-883E-4033865C1471}"/>
+                </a:ext>
+              </a:extLst>
+            </p:cNvPr>
+            <p:cNvSpPr/>
+            <p:nvPr/>
+          </p:nvSpPr>
+          <p:spPr>
+            <a:xfrm>
+              <a:off x="9268903" y="332277"/>
+              <a:ext cx="2309567" cy="688157"/>
+            </a:xfrm>
+            <a:prstGeom prst="chevron">
+              <a:avLst/>
+            </a:prstGeom>
+            <a:solidFill>
+              <a:srgbClr val="FED449"/>
+            </a:solidFill>
+            <a:ln>
+              <a:solidFill>
+                <a:schemeClr val="bg1"/>
+              </a:solidFill>
+            </a:ln>
+          </p:spPr>
+          <p:style>
+            <a:lnRef idx="2">
+              <a:schemeClr val="accent1">
+                <a:shade val="50000"/>
+              </a:schemeClr>
+            </a:lnRef>
+            <a:fillRef idx="1">
+              <a:schemeClr val="accent1"/>
+            </a:fillRef>
+            <a:effectRef idx="0">
+              <a:schemeClr val="accent1"/>
+            </a:effectRef>
+            <a:fontRef idx="minor">
+              <a:schemeClr val="lt1"/>
+            </a:fontRef>
+          </p:style>
+          <p:txBody>
+            <a:bodyPr rtlCol="0" anchor="ctr"/>
+            <a:lstStyle/>
+            <a:p>
+              <a:pPr algn="ctr"/>
+              <a:r>
+                <a:rPr lang="fr-FR" sz="1600" b="1" dirty="0">
+                  <a:solidFill>
+                    <a:schemeClr val="bg1"/>
+                  </a:solidFill>
+                  <a:effectLst>
+                    <a:outerShdw blurRad="38100" dist="76200" dir="2700000" algn="tl">
+                      <a:srgbClr val="000000"/>
+                    </a:outerShdw>
+                  </a:effectLst>
+                  <a:latin typeface="Helvetica" panose="020B0604020202030204" pitchFamily="34" charset="0"/>
+                </a:rPr>
+                <a:t>Conclusion</a:t>
+              </a:r>
+            </a:p>
+          </p:txBody>
+        </p:sp>
+        <p:sp>
+          <p:nvSpPr>
+            <p:cNvPr id="17" name="Flèche : chevron 16">
+              <a:extLst>
+                <a:ext uri="{FF2B5EF4-FFF2-40B4-BE49-F238E27FC236}">
+                  <a16:creationId xmlns:a16="http://schemas.microsoft.com/office/drawing/2014/main" id="{30C36617-CB5C-40F8-B05D-7053886FD5EF}"/>
+                </a:ext>
+              </a:extLst>
+            </p:cNvPr>
+            <p:cNvSpPr/>
+            <p:nvPr/>
+          </p:nvSpPr>
+          <p:spPr>
+            <a:xfrm>
+              <a:off x="3268744" y="332277"/>
+              <a:ext cx="2309567" cy="688157"/>
+            </a:xfrm>
+            <a:prstGeom prst="chevron">
+              <a:avLst/>
+            </a:prstGeom>
+            <a:solidFill>
+              <a:srgbClr val="FED449"/>
+            </a:solidFill>
+            <a:ln>
+              <a:solidFill>
+                <a:schemeClr val="bg1"/>
+              </a:solidFill>
+            </a:ln>
+          </p:spPr>
+          <p:style>
+            <a:lnRef idx="2">
+              <a:schemeClr val="accent1">
+                <a:shade val="50000"/>
+              </a:schemeClr>
+            </a:lnRef>
+            <a:fillRef idx="1">
+              <a:schemeClr val="accent1"/>
+            </a:fillRef>
+            <a:effectRef idx="0">
+              <a:schemeClr val="accent1"/>
+            </a:effectRef>
+            <a:fontRef idx="minor">
+              <a:schemeClr val="lt1"/>
+            </a:fontRef>
+          </p:style>
+          <p:txBody>
+            <a:bodyPr rtlCol="0" anchor="ctr"/>
+            <a:lstStyle/>
+            <a:p>
+              <a:pPr algn="ctr"/>
+              <a:r>
+                <a:rPr lang="fr-FR" sz="1500" b="1" dirty="0">
+                  <a:solidFill>
+                    <a:schemeClr val="bg1"/>
+                  </a:solidFill>
+                  <a:effectLst>
+                    <a:outerShdw blurRad="38100" dist="76200" dir="2700000" algn="tl">
+                      <a:srgbClr val="000000"/>
+                    </a:outerShdw>
+                  </a:effectLst>
+                  <a:latin typeface="Helvetica" panose="020B0604020202030204" pitchFamily="34" charset="0"/>
+                </a:rPr>
+                <a:t>Organisation</a:t>
+              </a:r>
+            </a:p>
+          </p:txBody>
+        </p:sp>
+        <p:sp>
+          <p:nvSpPr>
+            <p:cNvPr id="18" name="Flèche : chevron 17">
+              <a:extLst>
+                <a:ext uri="{FF2B5EF4-FFF2-40B4-BE49-F238E27FC236}">
+                  <a16:creationId xmlns:a16="http://schemas.microsoft.com/office/drawing/2014/main" id="{A33478E5-51C7-4324-9E5C-0845E032CF0C}"/>
+                </a:ext>
+              </a:extLst>
+            </p:cNvPr>
+            <p:cNvSpPr/>
+            <p:nvPr/>
+          </p:nvSpPr>
+          <p:spPr>
+            <a:xfrm>
+              <a:off x="5268797" y="332704"/>
+              <a:ext cx="2309567" cy="688157"/>
+            </a:xfrm>
+            <a:prstGeom prst="chevron">
+              <a:avLst/>
+            </a:prstGeom>
+            <a:solidFill>
+              <a:srgbClr val="88CE62"/>
+            </a:solidFill>
+            <a:ln>
+              <a:solidFill>
+                <a:schemeClr val="bg1"/>
+              </a:solidFill>
+            </a:ln>
+          </p:spPr>
+          <p:style>
+            <a:lnRef idx="2">
+              <a:schemeClr val="accent1">
+                <a:shade val="50000"/>
+              </a:schemeClr>
+            </a:lnRef>
+            <a:fillRef idx="1">
+              <a:schemeClr val="accent1"/>
+            </a:fillRef>
+            <a:effectRef idx="0">
+              <a:schemeClr val="accent1"/>
+            </a:effectRef>
+            <a:fontRef idx="minor">
+              <a:schemeClr val="lt1"/>
+            </a:fontRef>
+          </p:style>
+          <p:txBody>
+            <a:bodyPr rtlCol="0" anchor="ctr"/>
+            <a:lstStyle/>
+            <a:p>
+              <a:pPr algn="ctr"/>
+              <a:r>
+                <a:rPr lang="fr-FR" sz="1500" b="1" dirty="0">
+                  <a:solidFill>
+                    <a:schemeClr val="bg1"/>
+                  </a:solidFill>
+                  <a:effectLst>
+                    <a:outerShdw blurRad="38100" dist="76200" dir="2700000" algn="tl">
+                      <a:srgbClr val="000000"/>
+                    </a:outerShdw>
+                  </a:effectLst>
+                  <a:latin typeface="Helvetica" panose="020B0604020202030204" pitchFamily="34" charset="0"/>
+                </a:rPr>
+                <a:t>Développement</a:t>
+              </a:r>
+            </a:p>
+          </p:txBody>
+        </p:sp>
+        <p:sp>
+          <p:nvSpPr>
+            <p:cNvPr id="19" name="Flèche : chevron 18">
+              <a:extLst>
+                <a:ext uri="{FF2B5EF4-FFF2-40B4-BE49-F238E27FC236}">
+                  <a16:creationId xmlns:a16="http://schemas.microsoft.com/office/drawing/2014/main" id="{8795E004-010B-4219-8B10-37FA6D3A7781}"/>
+                </a:ext>
+              </a:extLst>
+            </p:cNvPr>
+            <p:cNvSpPr/>
+            <p:nvPr/>
+          </p:nvSpPr>
+          <p:spPr>
+            <a:xfrm>
+              <a:off x="7268850" y="332703"/>
+              <a:ext cx="2309567" cy="688157"/>
+            </a:xfrm>
+            <a:prstGeom prst="chevron">
+              <a:avLst/>
+            </a:prstGeom>
+            <a:solidFill>
+              <a:srgbClr val="FED449"/>
+            </a:solidFill>
+            <a:ln>
+              <a:solidFill>
+                <a:schemeClr val="bg1"/>
+              </a:solidFill>
+            </a:ln>
+          </p:spPr>
+          <p:style>
+            <a:lnRef idx="2">
+              <a:schemeClr val="accent1">
+                <a:shade val="50000"/>
+              </a:schemeClr>
+            </a:lnRef>
+            <a:fillRef idx="1">
+              <a:schemeClr val="accent1"/>
+            </a:fillRef>
+            <a:effectRef idx="0">
+              <a:schemeClr val="accent1"/>
+            </a:effectRef>
+            <a:fontRef idx="minor">
+              <a:schemeClr val="lt1"/>
+            </a:fontRef>
+          </p:style>
+          <p:txBody>
+            <a:bodyPr rtlCol="0" anchor="ctr"/>
+            <a:lstStyle/>
+            <a:p>
+              <a:pPr algn="ctr"/>
+              <a:r>
+                <a:rPr lang="fr-FR" sz="1500" b="1" dirty="0">
+                  <a:solidFill>
+                    <a:schemeClr val="bg1"/>
+                  </a:solidFill>
+                  <a:effectLst>
+                    <a:outerShdw blurRad="38100" dist="76200" dir="2700000" algn="tl">
+                      <a:srgbClr val="000000"/>
+                    </a:outerShdw>
+                  </a:effectLst>
+                  <a:latin typeface="Helvetica" panose="020B0604020202030204" pitchFamily="34" charset="0"/>
+                </a:rPr>
+                <a:t>Démonstration</a:t>
+              </a:r>
+              <a:endParaRPr lang="fr-FR" sz="1500" dirty="0">
+                <a:solidFill>
+                  <a:schemeClr val="tx1"/>
+                </a:solidFill>
+              </a:endParaRPr>
+            </a:p>
+          </p:txBody>
+        </p:sp>
+        <p:pic>
+          <p:nvPicPr>
+            <p:cNvPr id="6" name="Image 5">
+              <a:extLst>
+                <a:ext uri="{FF2B5EF4-FFF2-40B4-BE49-F238E27FC236}">
+                  <a16:creationId xmlns:a16="http://schemas.microsoft.com/office/drawing/2014/main" id="{2D0A881D-5AC2-4766-BD4C-5405D55C11A5}"/>
+                </a:ext>
+              </a:extLst>
+            </p:cNvPr>
+            <p:cNvPicPr>
+              <a:picLocks noChangeAspect="1"/>
+            </p:cNvPicPr>
+            <p:nvPr/>
+          </p:nvPicPr>
+          <p:blipFill>
+            <a:blip r:embed="rId4" cstate="print">
+              <a:extLst>
+                <a:ext uri="{28A0092B-C50C-407E-A947-70E740481C1C}">
+                  <a14:useLocalDpi xmlns:a14="http://schemas.microsoft.com/office/drawing/2010/main" val="0"/>
+                </a:ext>
+              </a:extLst>
+            </a:blip>
+            <a:stretch>
+              <a:fillRect/>
+            </a:stretch>
+          </p:blipFill>
+          <p:spPr>
+            <a:xfrm>
+              <a:off x="327166" y="0"/>
+              <a:ext cx="1566153" cy="1342417"/>
+            </a:xfrm>
+            <a:prstGeom prst="rect">
+              <a:avLst/>
+            </a:prstGeom>
+          </p:spPr>
+        </p:pic>
+      </p:grpSp>
+      <p:sp>
+        <p:nvSpPr>
+          <p:cNvPr id="12" name="ZoneTexte 11">
+            <a:extLst>
+              <a:ext uri="{FF2B5EF4-FFF2-40B4-BE49-F238E27FC236}">
+                <a16:creationId xmlns:a16="http://schemas.microsoft.com/office/drawing/2014/main" id="{B090A43C-7D0E-46E1-9FC8-BDAE21AEEC4B}"/>
+              </a:ext>
+            </a:extLst>
+          </p:cNvPr>
+          <p:cNvSpPr txBox="1"/>
+          <p:nvPr/>
+        </p:nvSpPr>
+        <p:spPr>
+          <a:xfrm>
+            <a:off x="1090367" y="1674695"/>
+            <a:ext cx="10011266" cy="523220"/>
+          </a:xfrm>
+          <a:prstGeom prst="rect">
+            <a:avLst/>
+          </a:prstGeom>
+          <a:noFill/>
+        </p:spPr>
+        <p:txBody>
+          <a:bodyPr wrap="square" rtlCol="0">
+            <a:spAutoFit/>
+          </a:bodyPr>
+          <a:lstStyle/>
+          <a:p>
+            <a:pPr algn="ctr"/>
+            <a:r>
+              <a:rPr lang="fr-FR" sz="2800" b="1" dirty="0">
+                <a:latin typeface="Helvetica" panose="020B0604020202030204" pitchFamily="34" charset="0"/>
+              </a:rPr>
+              <a:t>Algorithme d’envoi de Mail</a:t>
+            </a:r>
+            <a:endParaRPr lang="fr-FR" sz="2400" b="1" dirty="0">
+              <a:latin typeface="Helvetica" panose="020B0604020202030204" pitchFamily="34" charset="0"/>
+            </a:endParaRPr>
+          </a:p>
+        </p:txBody>
+      </p:sp>
+      <p:sp>
+        <p:nvSpPr>
+          <p:cNvPr id="13" name="Rectangle à coins arrondis 12"/>
+          <p:cNvSpPr/>
+          <p:nvPr/>
+        </p:nvSpPr>
+        <p:spPr>
+          <a:xfrm>
+            <a:off x="1268691" y="5004079"/>
+            <a:ext cx="9339822" cy="1205791"/>
+          </a:xfrm>
+          <a:prstGeom prst="roundRect">
+            <a:avLst/>
+          </a:prstGeom>
+          <a:noFill/>
+          <a:ln w="28575">
+            <a:solidFill>
+              <a:srgbClr val="88CE62"/>
+            </a:solidFill>
+          </a:ln>
+        </p:spPr>
+        <p:style>
+          <a:lnRef idx="2">
+            <a:schemeClr val="accent1">
+              <a:shade val="50000"/>
+            </a:schemeClr>
+          </a:lnRef>
+          <a:fillRef idx="1">
+            <a:schemeClr val="accent1"/>
+          </a:fillRef>
+          <a:effectRef idx="0">
+            <a:schemeClr val="accent1"/>
+          </a:effectRef>
+          <a:fontRef idx="minor">
+            <a:schemeClr val="lt1"/>
+          </a:fontRef>
+        </p:style>
+        <p:txBody>
+          <a:bodyPr rtlCol="0" anchor="ctr"/>
+          <a:lstStyle/>
+          <a:p>
+            <a:pPr algn="ctr"/>
+            <a:endParaRPr lang="fr-FR" dirty="0"/>
+          </a:p>
+        </p:txBody>
+      </p:sp>
+    </p:spTree>
+    <p:extLst>
+      <p:ext uri="{BB962C8B-B14F-4D97-AF65-F5344CB8AC3E}">
+        <p14:creationId xmlns:p14="http://schemas.microsoft.com/office/powerpoint/2010/main" val="1430650888"/>
       </p:ext>
     </p:extLst>
   </p:cSld>
